--- a/Yacht_On_Cloud (1).pptx
+++ b/Yacht_On_Cloud (1).pptx
@@ -7,21 +7,22 @@
   <p:sldIdLst>
     <p:sldId id="256" r:id="rId2"/>
     <p:sldId id="257" r:id="rId3"/>
-    <p:sldId id="258" r:id="rId4"/>
-    <p:sldId id="259" r:id="rId5"/>
-    <p:sldId id="371" r:id="rId6"/>
-    <p:sldId id="261" r:id="rId7"/>
-    <p:sldId id="270" r:id="rId8"/>
-    <p:sldId id="372" r:id="rId9"/>
-    <p:sldId id="271" r:id="rId10"/>
-    <p:sldId id="272" r:id="rId11"/>
-    <p:sldId id="373" r:id="rId12"/>
-    <p:sldId id="273" r:id="rId13"/>
-    <p:sldId id="370" r:id="rId14"/>
-    <p:sldId id="374" r:id="rId15"/>
-    <p:sldId id="263" r:id="rId16"/>
-    <p:sldId id="260" r:id="rId17"/>
-    <p:sldId id="269" r:id="rId18"/>
+    <p:sldId id="375" r:id="rId4"/>
+    <p:sldId id="258" r:id="rId5"/>
+    <p:sldId id="259" r:id="rId6"/>
+    <p:sldId id="371" r:id="rId7"/>
+    <p:sldId id="261" r:id="rId8"/>
+    <p:sldId id="270" r:id="rId9"/>
+    <p:sldId id="372" r:id="rId10"/>
+    <p:sldId id="271" r:id="rId11"/>
+    <p:sldId id="272" r:id="rId12"/>
+    <p:sldId id="373" r:id="rId13"/>
+    <p:sldId id="273" r:id="rId14"/>
+    <p:sldId id="370" r:id="rId15"/>
+    <p:sldId id="374" r:id="rId16"/>
+    <p:sldId id="263" r:id="rId17"/>
+    <p:sldId id="260" r:id="rId18"/>
+    <p:sldId id="269" r:id="rId19"/>
   </p:sldIdLst>
   <p:sldSz cx="18288000" cy="10287000"/>
   <p:notesSz cx="18288000" cy="10287000"/>
@@ -321,13 +322,13 @@
   <p:clrMapOvr>
     <a:masterClrMapping/>
   </p:clrMapOvr>
-  <mc:AlternateContent xmlns:mc="http://schemas.openxmlformats.org/markup-compatibility/2006">
-    <mc:Choice xmlns:p159="http://schemas.microsoft.com/office/powerpoint/2015/09/main" Requires="p159">
+  <mc:AlternateContent xmlns:mc="http://schemas.openxmlformats.org/markup-compatibility/2006" xmlns:p159="http://schemas.microsoft.com/office/powerpoint/2015/09/main">
+    <mc:Choice Requires="p159">
       <p:transition spd="slow">
         <p159:morph option="byObject"/>
       </p:transition>
     </mc:Choice>
-    <mc:Fallback>
+    <mc:Fallback xmlns="">
       <p:transition spd="slow">
         <p:fade/>
       </p:transition>
@@ -508,13 +509,13 @@
   <p:clrMapOvr>
     <a:masterClrMapping/>
   </p:clrMapOvr>
-  <mc:AlternateContent xmlns:mc="http://schemas.openxmlformats.org/markup-compatibility/2006">
-    <mc:Choice xmlns:p159="http://schemas.microsoft.com/office/powerpoint/2015/09/main" Requires="p159">
+  <mc:AlternateContent xmlns:mc="http://schemas.openxmlformats.org/markup-compatibility/2006" xmlns:p159="http://schemas.microsoft.com/office/powerpoint/2015/09/main">
+    <mc:Choice Requires="p159">
       <p:transition spd="slow">
         <p159:morph option="byObject"/>
       </p:transition>
     </mc:Choice>
-    <mc:Fallback>
+    <mc:Fallback xmlns="">
       <p:transition spd="slow">
         <p:fade/>
       </p:transition>
@@ -734,13 +735,13 @@
   <p:clrMapOvr>
     <a:masterClrMapping/>
   </p:clrMapOvr>
-  <mc:AlternateContent xmlns:mc="http://schemas.openxmlformats.org/markup-compatibility/2006">
-    <mc:Choice xmlns:p159="http://schemas.microsoft.com/office/powerpoint/2015/09/main" Requires="p159">
+  <mc:AlternateContent xmlns:mc="http://schemas.openxmlformats.org/markup-compatibility/2006" xmlns:p159="http://schemas.microsoft.com/office/powerpoint/2015/09/main">
+    <mc:Choice Requires="p159">
       <p:transition spd="slow">
         <p159:morph option="byObject"/>
       </p:transition>
     </mc:Choice>
-    <mc:Fallback>
+    <mc:Fallback xmlns="">
       <p:transition spd="slow">
         <p:fade/>
       </p:transition>
@@ -894,13 +895,13 @@
   <p:clrMapOvr>
     <a:masterClrMapping/>
   </p:clrMapOvr>
-  <mc:AlternateContent xmlns:mc="http://schemas.openxmlformats.org/markup-compatibility/2006">
-    <mc:Choice xmlns:p159="http://schemas.microsoft.com/office/powerpoint/2015/09/main" Requires="p159">
+  <mc:AlternateContent xmlns:mc="http://schemas.openxmlformats.org/markup-compatibility/2006" xmlns:p159="http://schemas.microsoft.com/office/powerpoint/2015/09/main">
+    <mc:Choice Requires="p159">
       <p:transition spd="slow">
         <p159:morph option="byObject"/>
       </p:transition>
     </mc:Choice>
-    <mc:Fallback>
+    <mc:Fallback xmlns="">
       <p:transition spd="slow">
         <p:fade/>
       </p:transition>
@@ -1025,13 +1026,13 @@
   <p:clrMapOvr>
     <a:masterClrMapping/>
   </p:clrMapOvr>
-  <mc:AlternateContent xmlns:mc="http://schemas.openxmlformats.org/markup-compatibility/2006">
-    <mc:Choice xmlns:p159="http://schemas.microsoft.com/office/powerpoint/2015/09/main" Requires="p159">
+  <mc:AlternateContent xmlns:mc="http://schemas.openxmlformats.org/markup-compatibility/2006" xmlns:p159="http://schemas.microsoft.com/office/powerpoint/2015/09/main">
+    <mc:Choice Requires="p159">
       <p:transition spd="slow">
         <p159:morph option="byObject"/>
       </p:transition>
     </mc:Choice>
-    <mc:Fallback>
+    <mc:Fallback xmlns="">
       <p:transition spd="slow">
         <p:fade/>
       </p:transition>
@@ -1274,13 +1275,13 @@
   <p:clrMapOvr>
     <a:masterClrMapping/>
   </p:clrMapOvr>
-  <mc:AlternateContent xmlns:mc="http://schemas.openxmlformats.org/markup-compatibility/2006">
-    <mc:Choice xmlns:p159="http://schemas.microsoft.com/office/powerpoint/2015/09/main" Requires="p159">
+  <mc:AlternateContent xmlns:mc="http://schemas.openxmlformats.org/markup-compatibility/2006" xmlns:p159="http://schemas.microsoft.com/office/powerpoint/2015/09/main">
+    <mc:Choice Requires="p159">
       <p:transition spd="slow">
         <p159:morph option="byObject"/>
       </p:transition>
     </mc:Choice>
-    <mc:Fallback>
+    <mc:Fallback xmlns="">
       <p:transition spd="slow">
         <p:fade/>
       </p:transition>
@@ -1575,13 +1576,13 @@
     <p:sldLayoutId id="2147483665" r:id="rId5"/>
     <p:sldLayoutId id="2147483666" r:id="rId6"/>
   </p:sldLayoutIdLst>
-  <mc:AlternateContent xmlns:mc="http://schemas.openxmlformats.org/markup-compatibility/2006">
-    <mc:Choice xmlns:p159="http://schemas.microsoft.com/office/powerpoint/2015/09/main" Requires="p159">
+  <mc:AlternateContent xmlns:mc="http://schemas.openxmlformats.org/markup-compatibility/2006" xmlns:p159="http://schemas.microsoft.com/office/powerpoint/2015/09/main">
+    <mc:Choice Requires="p159">
       <p:transition spd="slow">
         <p159:morph option="byObject"/>
       </p:transition>
     </mc:Choice>
-    <mc:Fallback>
+    <mc:Fallback xmlns="">
       <p:transition spd="slow">
         <p:fade/>
       </p:transition>
@@ -3535,13 +3536,13 @@
   <p:clrMapOvr>
     <a:masterClrMapping/>
   </p:clrMapOvr>
-  <mc:AlternateContent xmlns:mc="http://schemas.openxmlformats.org/markup-compatibility/2006">
-    <mc:Choice xmlns:p159="http://schemas.microsoft.com/office/powerpoint/2015/09/main" Requires="p159">
+  <mc:AlternateContent xmlns:mc="http://schemas.openxmlformats.org/markup-compatibility/2006" xmlns:p159="http://schemas.microsoft.com/office/powerpoint/2015/09/main">
+    <mc:Choice Requires="p159">
       <p:transition spd="slow">
         <p159:morph option="byObject"/>
       </p:transition>
     </mc:Choice>
-    <mc:Fallback>
+    <mc:Fallback xmlns="">
       <p:transition spd="slow">
         <p:fade/>
       </p:transition>
@@ -3551,6 +3552,125 @@
 </file>
 
 <file path=ppt/slides/slide10.xml><?xml version="1.0" encoding="utf-8"?>
+<p:sld xmlns:a="http://schemas.openxmlformats.org/drawingml/2006/main" xmlns:r="http://schemas.openxmlformats.org/officeDocument/2006/relationships" xmlns:p="http://schemas.openxmlformats.org/presentationml/2006/main">
+  <p:cSld>
+    <p:spTree>
+      <p:nvGrpSpPr>
+        <p:cNvPr id="1" name=""/>
+        <p:cNvGrpSpPr/>
+        <p:nvPr/>
+      </p:nvGrpSpPr>
+      <p:grpSpPr>
+        <a:xfrm>
+          <a:off x="0" y="0"/>
+          <a:ext cx="0" cy="0"/>
+          <a:chOff x="0" y="0"/>
+          <a:chExt cx="0" cy="0"/>
+        </a:xfrm>
+      </p:grpSpPr>
+      <p:sp>
+        <p:nvSpPr>
+          <p:cNvPr id="3" name="object 3"/>
+          <p:cNvSpPr txBox="1">
+            <a:spLocks noGrp="1"/>
+          </p:cNvSpPr>
+          <p:nvPr>
+            <p:ph type="title"/>
+          </p:nvPr>
+        </p:nvSpPr>
+        <p:spPr>
+          <a:xfrm>
+            <a:off x="3775529" y="4520807"/>
+            <a:ext cx="10744200" cy="1243930"/>
+          </a:xfrm>
+          <a:prstGeom prst="rect">
+            <a:avLst/>
+          </a:prstGeom>
+        </p:spPr>
+        <p:txBody>
+          <a:bodyPr vert="horz" wrap="square" lIns="0" tIns="12700" rIns="0" bIns="0" rtlCol="0">
+            <a:spAutoFit/>
+          </a:bodyPr>
+          <a:lstStyle/>
+          <a:p>
+            <a:pPr marL="12700">
+              <a:lnSpc>
+                <a:spcPct val="100000"/>
+              </a:lnSpc>
+              <a:spcBef>
+                <a:spcPts val="100"/>
+              </a:spcBef>
+            </a:pPr>
+            <a:r>
+              <a:rPr lang="it-IT" sz="8000" dirty="0"/>
+              <a:t>Prodotto</a:t>
+            </a:r>
+            <a:endParaRPr sz="8000" dirty="0"/>
+          </a:p>
+        </p:txBody>
+      </p:sp>
+      <p:pic>
+        <p:nvPicPr>
+          <p:cNvPr id="5" name="Immagine 4">
+            <a:extLst>
+              <a:ext uri="{FF2B5EF4-FFF2-40B4-BE49-F238E27FC236}">
+                <a16:creationId xmlns:a16="http://schemas.microsoft.com/office/drawing/2014/main" id="{6B501232-8323-42C5-B08A-BBB9AEF8D274}"/>
+              </a:ext>
+            </a:extLst>
+          </p:cNvPr>
+          <p:cNvPicPr>
+            <a:picLocks noChangeAspect="1"/>
+          </p:cNvPicPr>
+          <p:nvPr/>
+        </p:nvPicPr>
+        <p:blipFill>
+          <a:blip r:embed="rId2">
+            <a:extLst>
+              <a:ext uri="{28A0092B-C50C-407E-A947-70E740481C1C}">
+                <a14:useLocalDpi xmlns:a14="http://schemas.microsoft.com/office/drawing/2010/main" val="0"/>
+              </a:ext>
+            </a:extLst>
+          </a:blip>
+          <a:stretch>
+            <a:fillRect/>
+          </a:stretch>
+        </p:blipFill>
+        <p:spPr>
+          <a:xfrm>
+            <a:off x="9147629" y="-114300"/>
+            <a:ext cx="9270214" cy="9270214"/>
+          </a:xfrm>
+          <a:prstGeom prst="rect">
+            <a:avLst/>
+          </a:prstGeom>
+        </p:spPr>
+      </p:pic>
+    </p:spTree>
+    <p:extLst>
+      <p:ext uri="{BB962C8B-B14F-4D97-AF65-F5344CB8AC3E}">
+        <p14:creationId xmlns:p14="http://schemas.microsoft.com/office/powerpoint/2010/main" val="293974024"/>
+      </p:ext>
+    </p:extLst>
+  </p:cSld>
+  <p:clrMapOvr>
+    <a:masterClrMapping/>
+  </p:clrMapOvr>
+  <mc:AlternateContent xmlns:mc="http://schemas.openxmlformats.org/markup-compatibility/2006" xmlns:p159="http://schemas.microsoft.com/office/powerpoint/2015/09/main">
+    <mc:Choice Requires="p159">
+      <p:transition spd="slow">
+        <p159:morph option="byObject"/>
+      </p:transition>
+    </mc:Choice>
+    <mc:Fallback xmlns="">
+      <p:transition spd="slow">
+        <p:fade/>
+      </p:transition>
+    </mc:Fallback>
+  </mc:AlternateContent>
+</p:sld>
+</file>
+
+<file path=ppt/slides/slide11.xml><?xml version="1.0" encoding="utf-8"?>
 <p:sld xmlns:a="http://schemas.openxmlformats.org/drawingml/2006/main" xmlns:r="http://schemas.openxmlformats.org/officeDocument/2006/relationships" xmlns:p="http://schemas.openxmlformats.org/presentationml/2006/main">
   <p:cSld>
     <p:spTree>
@@ -4182,13 +4302,13 @@
   <p:clrMapOvr>
     <a:masterClrMapping/>
   </p:clrMapOvr>
-  <mc:AlternateContent xmlns:mc="http://schemas.openxmlformats.org/markup-compatibility/2006">
-    <mc:Choice xmlns:p159="http://schemas.microsoft.com/office/powerpoint/2015/09/main" Requires="p159">
+  <mc:AlternateContent xmlns:mc="http://schemas.openxmlformats.org/markup-compatibility/2006" xmlns:p159="http://schemas.microsoft.com/office/powerpoint/2015/09/main">
+    <mc:Choice Requires="p159">
       <p:transition spd="slow">
         <p159:morph option="byObject"/>
       </p:transition>
     </mc:Choice>
-    <mc:Fallback>
+    <mc:Fallback xmlns="">
       <p:transition spd="slow">
         <p:fade/>
       </p:transition>
@@ -4337,7 +4457,7 @@
 </p:sld>
 </file>
 
-<file path=ppt/slides/slide11.xml><?xml version="1.0" encoding="utf-8"?>
+<file path=ppt/slides/slide12.xml><?xml version="1.0" encoding="utf-8"?>
 <p:sld xmlns:a="http://schemas.openxmlformats.org/drawingml/2006/main" xmlns:r="http://schemas.openxmlformats.org/officeDocument/2006/relationships" xmlns:p="http://schemas.openxmlformats.org/presentationml/2006/main">
   <p:cSld>
     <p:spTree>
@@ -6901,13 +7021,13 @@
   <p:clrMapOvr>
     <a:masterClrMapping/>
   </p:clrMapOvr>
-  <mc:AlternateContent xmlns:mc="http://schemas.openxmlformats.org/markup-compatibility/2006">
-    <mc:Choice xmlns:p159="http://schemas.microsoft.com/office/powerpoint/2015/09/main" Requires="p159">
+  <mc:AlternateContent xmlns:mc="http://schemas.openxmlformats.org/markup-compatibility/2006" xmlns:p159="http://schemas.microsoft.com/office/powerpoint/2015/09/main">
+    <mc:Choice Requires="p159">
       <p:transition spd="slow">
         <p159:morph option="byObject"/>
       </p:transition>
     </mc:Choice>
-    <mc:Fallback>
+    <mc:Fallback xmlns="">
       <p:transition spd="slow">
         <p:fade/>
       </p:transition>
@@ -7212,7 +7332,7 @@
 </p:sld>
 </file>
 
-<file path=ppt/slides/slide12.xml><?xml version="1.0" encoding="utf-8"?>
+<file path=ppt/slides/slide13.xml><?xml version="1.0" encoding="utf-8"?>
 <p:sld xmlns:a="http://schemas.openxmlformats.org/drawingml/2006/main" xmlns:r="http://schemas.openxmlformats.org/officeDocument/2006/relationships" xmlns:p="http://schemas.openxmlformats.org/presentationml/2006/main">
   <p:cSld>
     <p:spTree>
@@ -7322,13 +7442,13 @@
   <p:clrMapOvr>
     <a:masterClrMapping/>
   </p:clrMapOvr>
-  <mc:AlternateContent xmlns:mc="http://schemas.openxmlformats.org/markup-compatibility/2006">
-    <mc:Choice xmlns:p159="http://schemas.microsoft.com/office/powerpoint/2015/09/main" Requires="p159">
+  <mc:AlternateContent xmlns:mc="http://schemas.openxmlformats.org/markup-compatibility/2006" xmlns:p159="http://schemas.microsoft.com/office/powerpoint/2015/09/main">
+    <mc:Choice Requires="p159">
       <p:transition spd="slow">
         <p159:morph option="byObject"/>
       </p:transition>
     </mc:Choice>
-    <mc:Fallback>
+    <mc:Fallback xmlns="">
       <p:transition spd="slow">
         <p:fade/>
       </p:transition>
@@ -7337,7 +7457,7 @@
 </p:sld>
 </file>
 
-<file path=ppt/slides/slide13.xml><?xml version="1.0" encoding="utf-8"?>
+<file path=ppt/slides/slide14.xml><?xml version="1.0" encoding="utf-8"?>
 <p:sld xmlns:a="http://schemas.openxmlformats.org/drawingml/2006/main" xmlns:r="http://schemas.openxmlformats.org/officeDocument/2006/relationships" xmlns:p="http://schemas.openxmlformats.org/presentationml/2006/main">
   <p:cSld>
     <p:spTree>
@@ -8760,13 +8880,13 @@
   <p:clrMapOvr>
     <a:masterClrMapping/>
   </p:clrMapOvr>
-  <mc:AlternateContent xmlns:mc="http://schemas.openxmlformats.org/markup-compatibility/2006">
-    <mc:Choice xmlns:p159="http://schemas.microsoft.com/office/powerpoint/2015/09/main" Requires="p159">
+  <mc:AlternateContent xmlns:mc="http://schemas.openxmlformats.org/markup-compatibility/2006" xmlns:p159="http://schemas.microsoft.com/office/powerpoint/2015/09/main">
+    <mc:Choice Requires="p159">
       <p:transition spd="slow">
         <p159:morph option="byObject"/>
       </p:transition>
     </mc:Choice>
-    <mc:Fallback>
+    <mc:Fallback xmlns="">
       <p:transition spd="slow">
         <p:fade/>
       </p:transition>
@@ -9805,7 +9925,7 @@
 </p:sld>
 </file>
 
-<file path=ppt/slides/slide14.xml><?xml version="1.0" encoding="utf-8"?>
+<file path=ppt/slides/slide15.xml><?xml version="1.0" encoding="utf-8"?>
 <p:sld xmlns:a="http://schemas.openxmlformats.org/drawingml/2006/main" xmlns:r="http://schemas.openxmlformats.org/officeDocument/2006/relationships" xmlns:p="http://schemas.openxmlformats.org/presentationml/2006/main">
   <p:cSld>
     <p:spTree>
@@ -12746,13 +12866,13 @@
   <p:clrMapOvr>
     <a:masterClrMapping/>
   </p:clrMapOvr>
-  <mc:AlternateContent xmlns:mc="http://schemas.openxmlformats.org/markup-compatibility/2006">
-    <mc:Choice xmlns:p159="http://schemas.microsoft.com/office/powerpoint/2015/09/main" Requires="p159">
+  <mc:AlternateContent xmlns:mc="http://schemas.openxmlformats.org/markup-compatibility/2006" xmlns:p159="http://schemas.microsoft.com/office/powerpoint/2015/09/main">
+    <mc:Choice Requires="p159">
       <p:transition spd="slow">
         <p159:morph option="byObject"/>
       </p:transition>
     </mc:Choice>
-    <mc:Fallback>
+    <mc:Fallback xmlns="">
       <p:transition spd="slow">
         <p:fade/>
       </p:transition>
@@ -13057,7 +13177,7 @@
 </p:sld>
 </file>
 
-<file path=ppt/slides/slide15.xml><?xml version="1.0" encoding="utf-8"?>
+<file path=ppt/slides/slide16.xml><?xml version="1.0" encoding="utf-8"?>
 <p:sld xmlns:a="http://schemas.openxmlformats.org/drawingml/2006/main" xmlns:r="http://schemas.openxmlformats.org/officeDocument/2006/relationships" xmlns:p="http://schemas.openxmlformats.org/presentationml/2006/main">
   <p:cSld>
     <p:spTree>
@@ -13155,13 +13275,13 @@
   <p:clrMapOvr>
     <a:masterClrMapping/>
   </p:clrMapOvr>
-  <mc:AlternateContent xmlns:mc="http://schemas.openxmlformats.org/markup-compatibility/2006">
-    <mc:Choice xmlns:p159="http://schemas.microsoft.com/office/powerpoint/2015/09/main" Requires="p159">
+  <mc:AlternateContent xmlns:mc="http://schemas.openxmlformats.org/markup-compatibility/2006" xmlns:p159="http://schemas.microsoft.com/office/powerpoint/2015/09/main">
+    <mc:Choice Requires="p159">
       <p:transition spd="slow">
         <p159:morph option="byObject"/>
       </p:transition>
     </mc:Choice>
-    <mc:Fallback>
+    <mc:Fallback xmlns="">
       <p:transition spd="slow">
         <p:fade/>
       </p:transition>
@@ -13170,7 +13290,7 @@
 </p:sld>
 </file>
 
-<file path=ppt/slides/slide16.xml><?xml version="1.0" encoding="utf-8"?>
+<file path=ppt/slides/slide17.xml><?xml version="1.0" encoding="utf-8"?>
 <p:sld xmlns:a="http://schemas.openxmlformats.org/drawingml/2006/main" xmlns:r="http://schemas.openxmlformats.org/officeDocument/2006/relationships" xmlns:p="http://schemas.openxmlformats.org/presentationml/2006/main">
   <p:cSld>
     <p:spTree>
@@ -13948,13 +14068,13 @@
   <p:clrMapOvr>
     <a:masterClrMapping/>
   </p:clrMapOvr>
-  <mc:AlternateContent xmlns:mc="http://schemas.openxmlformats.org/markup-compatibility/2006">
-    <mc:Choice xmlns:p159="http://schemas.microsoft.com/office/powerpoint/2015/09/main" Requires="p159">
+  <mc:AlternateContent xmlns:mc="http://schemas.openxmlformats.org/markup-compatibility/2006" xmlns:p159="http://schemas.microsoft.com/office/powerpoint/2015/09/main">
+    <mc:Choice Requires="p159">
       <p:transition spd="slow">
         <p159:morph option="byObject"/>
       </p:transition>
     </mc:Choice>
-    <mc:Fallback>
+    <mc:Fallback xmlns="">
       <p:transition spd="slow">
         <p:fade/>
       </p:transition>
@@ -14849,7 +14969,7 @@
 </p:sld>
 </file>
 
-<file path=ppt/slides/slide17.xml><?xml version="1.0" encoding="utf-8"?>
+<file path=ppt/slides/slide18.xml><?xml version="1.0" encoding="utf-8"?>
 <p:sld xmlns:a="http://schemas.openxmlformats.org/drawingml/2006/main" xmlns:r="http://schemas.openxmlformats.org/officeDocument/2006/relationships" xmlns:p="http://schemas.openxmlformats.org/presentationml/2006/main">
   <p:cSld>
     <p:spTree>
@@ -16140,13 +16260,13 @@
   <p:clrMapOvr>
     <a:masterClrMapping/>
   </p:clrMapOvr>
-  <mc:AlternateContent xmlns:mc="http://schemas.openxmlformats.org/markup-compatibility/2006">
-    <mc:Choice xmlns:p159="http://schemas.microsoft.com/office/powerpoint/2015/09/main" Requires="p159">
+  <mc:AlternateContent xmlns:mc="http://schemas.openxmlformats.org/markup-compatibility/2006" xmlns:p159="http://schemas.microsoft.com/office/powerpoint/2015/09/main">
+    <mc:Choice Requires="p159">
       <p:transition spd="slow">
         <p159:morph option="byObject"/>
       </p:transition>
     </mc:Choice>
-    <mc:Fallback>
+    <mc:Fallback xmlns="">
       <p:transition spd="slow">
         <p:fade/>
       </p:transition>
@@ -17383,7 +17503,7 @@
             <a:r>
               <a:rPr lang="it-IT" sz="2800" b="1" dirty="0">
                 <a:solidFill>
-                  <a:schemeClr val="accent6"/>
+                  <a:schemeClr val="bg1"/>
                 </a:solidFill>
                 <a:latin typeface="Courier New"/>
                 <a:cs typeface="Courier New"/>
@@ -17392,7 +17512,7 @@
             </a:r>
             <a:endParaRPr sz="2800" b="1" dirty="0">
               <a:solidFill>
-                <a:schemeClr val="accent6"/>
+                <a:schemeClr val="bg1"/>
               </a:solidFill>
               <a:latin typeface="Courier New"/>
               <a:cs typeface="Courier New"/>
@@ -18786,266 +18906,6 @@
         </p:spPr>
         <p:txBody>
           <a:bodyPr wrap="square" lIns="0" tIns="0" rIns="0" bIns="0" rtlCol="0"/>
-          <a:lstStyle/>
-          <a:p>
-            <a:endParaRPr/>
-          </a:p>
-        </p:txBody>
-      </p:sp>
-      <p:sp>
-        <p:nvSpPr>
-          <p:cNvPr id="28" name="object 3">
-            <a:extLst>
-              <a:ext uri="{FF2B5EF4-FFF2-40B4-BE49-F238E27FC236}">
-                <a16:creationId xmlns:a16="http://schemas.microsoft.com/office/drawing/2014/main" id="{42E821A5-4DC2-469E-AC38-51646CBB772F}"/>
-              </a:ext>
-            </a:extLst>
-          </p:cNvPr>
-          <p:cNvSpPr/>
-          <p:nvPr/>
-        </p:nvSpPr>
-        <p:spPr>
-          <a:xfrm>
-            <a:off x="8763000" y="7983735"/>
-            <a:ext cx="657170" cy="664965"/>
-          </a:xfrm>
-          <a:custGeom>
-            <a:avLst/>
-            <a:gdLst/>
-            <a:ahLst/>
-            <a:cxnLst/>
-            <a:rect l="l" t="t" r="r" b="b"/>
-            <a:pathLst>
-              <a:path w="1068070" h="1068070">
-                <a:moveTo>
-                  <a:pt x="533729" y="1067458"/>
-                </a:moveTo>
-                <a:lnTo>
-                  <a:pt x="485148" y="1065276"/>
-                </a:lnTo>
-                <a:lnTo>
-                  <a:pt x="437790" y="1058858"/>
-                </a:lnTo>
-                <a:lnTo>
-                  <a:pt x="391842" y="1048392"/>
-                </a:lnTo>
-                <a:lnTo>
-                  <a:pt x="347493" y="1034066"/>
-                </a:lnTo>
-                <a:lnTo>
-                  <a:pt x="304931" y="1016069"/>
-                </a:lnTo>
-                <a:lnTo>
-                  <a:pt x="264345" y="994588"/>
-                </a:lnTo>
-                <a:lnTo>
-                  <a:pt x="225923" y="969813"/>
-                </a:lnTo>
-                <a:lnTo>
-                  <a:pt x="189854" y="941931"/>
-                </a:lnTo>
-                <a:lnTo>
-                  <a:pt x="156325" y="911132"/>
-                </a:lnTo>
-                <a:lnTo>
-                  <a:pt x="125526" y="877603"/>
-                </a:lnTo>
-                <a:lnTo>
-                  <a:pt x="97644" y="841534"/>
-                </a:lnTo>
-                <a:lnTo>
-                  <a:pt x="72869" y="803112"/>
-                </a:lnTo>
-                <a:lnTo>
-                  <a:pt x="51389" y="762526"/>
-                </a:lnTo>
-                <a:lnTo>
-                  <a:pt x="33391" y="719964"/>
-                </a:lnTo>
-                <a:lnTo>
-                  <a:pt x="19065" y="675615"/>
-                </a:lnTo>
-                <a:lnTo>
-                  <a:pt x="8599" y="629667"/>
-                </a:lnTo>
-                <a:lnTo>
-                  <a:pt x="2181" y="582309"/>
-                </a:lnTo>
-                <a:lnTo>
-                  <a:pt x="0" y="533729"/>
-                </a:lnTo>
-                <a:lnTo>
-                  <a:pt x="2181" y="485148"/>
-                </a:lnTo>
-                <a:lnTo>
-                  <a:pt x="8599" y="437790"/>
-                </a:lnTo>
-                <a:lnTo>
-                  <a:pt x="19065" y="391842"/>
-                </a:lnTo>
-                <a:lnTo>
-                  <a:pt x="33391" y="347493"/>
-                </a:lnTo>
-                <a:lnTo>
-                  <a:pt x="51389" y="304931"/>
-                </a:lnTo>
-                <a:lnTo>
-                  <a:pt x="72869" y="264345"/>
-                </a:lnTo>
-                <a:lnTo>
-                  <a:pt x="97644" y="225923"/>
-                </a:lnTo>
-                <a:lnTo>
-                  <a:pt x="125526" y="189854"/>
-                </a:lnTo>
-                <a:lnTo>
-                  <a:pt x="156325" y="156325"/>
-                </a:lnTo>
-                <a:lnTo>
-                  <a:pt x="189854" y="125526"/>
-                </a:lnTo>
-                <a:lnTo>
-                  <a:pt x="225923" y="97644"/>
-                </a:lnTo>
-                <a:lnTo>
-                  <a:pt x="264345" y="72869"/>
-                </a:lnTo>
-                <a:lnTo>
-                  <a:pt x="304931" y="51389"/>
-                </a:lnTo>
-                <a:lnTo>
-                  <a:pt x="347493" y="33391"/>
-                </a:lnTo>
-                <a:lnTo>
-                  <a:pt x="391842" y="19065"/>
-                </a:lnTo>
-                <a:lnTo>
-                  <a:pt x="437790" y="8599"/>
-                </a:lnTo>
-                <a:lnTo>
-                  <a:pt x="485148" y="2181"/>
-                </a:lnTo>
-                <a:lnTo>
-                  <a:pt x="533729" y="0"/>
-                </a:lnTo>
-                <a:lnTo>
-                  <a:pt x="582309" y="2181"/>
-                </a:lnTo>
-                <a:lnTo>
-                  <a:pt x="629667" y="8599"/>
-                </a:lnTo>
-                <a:lnTo>
-                  <a:pt x="675615" y="19065"/>
-                </a:lnTo>
-                <a:lnTo>
-                  <a:pt x="719964" y="33391"/>
-                </a:lnTo>
-                <a:lnTo>
-                  <a:pt x="762526" y="51389"/>
-                </a:lnTo>
-                <a:lnTo>
-                  <a:pt x="803112" y="72869"/>
-                </a:lnTo>
-                <a:lnTo>
-                  <a:pt x="841534" y="97644"/>
-                </a:lnTo>
-                <a:lnTo>
-                  <a:pt x="877603" y="125526"/>
-                </a:lnTo>
-                <a:lnTo>
-                  <a:pt x="911132" y="156325"/>
-                </a:lnTo>
-                <a:lnTo>
-                  <a:pt x="941931" y="189854"/>
-                </a:lnTo>
-                <a:lnTo>
-                  <a:pt x="969813" y="225923"/>
-                </a:lnTo>
-                <a:lnTo>
-                  <a:pt x="994588" y="264345"/>
-                </a:lnTo>
-                <a:lnTo>
-                  <a:pt x="1016069" y="304931"/>
-                </a:lnTo>
-                <a:lnTo>
-                  <a:pt x="1034066" y="347493"/>
-                </a:lnTo>
-                <a:lnTo>
-                  <a:pt x="1048392" y="391842"/>
-                </a:lnTo>
-                <a:lnTo>
-                  <a:pt x="1058858" y="437790"/>
-                </a:lnTo>
-                <a:lnTo>
-                  <a:pt x="1065276" y="485148"/>
-                </a:lnTo>
-                <a:lnTo>
-                  <a:pt x="1067458" y="533729"/>
-                </a:lnTo>
-                <a:lnTo>
-                  <a:pt x="1065276" y="582309"/>
-                </a:lnTo>
-                <a:lnTo>
-                  <a:pt x="1058858" y="629667"/>
-                </a:lnTo>
-                <a:lnTo>
-                  <a:pt x="1048392" y="675615"/>
-                </a:lnTo>
-                <a:lnTo>
-                  <a:pt x="1034066" y="719964"/>
-                </a:lnTo>
-                <a:lnTo>
-                  <a:pt x="1016069" y="762526"/>
-                </a:lnTo>
-                <a:lnTo>
-                  <a:pt x="994588" y="803112"/>
-                </a:lnTo>
-                <a:lnTo>
-                  <a:pt x="969813" y="841534"/>
-                </a:lnTo>
-                <a:lnTo>
-                  <a:pt x="941931" y="877603"/>
-                </a:lnTo>
-                <a:lnTo>
-                  <a:pt x="911132" y="911132"/>
-                </a:lnTo>
-                <a:lnTo>
-                  <a:pt x="877603" y="941931"/>
-                </a:lnTo>
-                <a:lnTo>
-                  <a:pt x="841534" y="969813"/>
-                </a:lnTo>
-                <a:lnTo>
-                  <a:pt x="803112" y="994588"/>
-                </a:lnTo>
-                <a:lnTo>
-                  <a:pt x="762526" y="1016069"/>
-                </a:lnTo>
-                <a:lnTo>
-                  <a:pt x="719964" y="1034066"/>
-                </a:lnTo>
-                <a:lnTo>
-                  <a:pt x="675615" y="1048392"/>
-                </a:lnTo>
-                <a:lnTo>
-                  <a:pt x="629667" y="1058858"/>
-                </a:lnTo>
-                <a:lnTo>
-                  <a:pt x="582309" y="1065276"/>
-                </a:lnTo>
-                <a:lnTo>
-                  <a:pt x="533729" y="1067458"/>
-                </a:lnTo>
-                <a:close/>
-              </a:path>
-            </a:pathLst>
-          </a:custGeom>
-          <a:solidFill>
-            <a:srgbClr val="FFA637"/>
-          </a:solidFill>
-        </p:spPr>
-        <p:txBody>
-          <a:bodyPr wrap="square" lIns="0" tIns="0" rIns="0" bIns="0" rtlCol="0" anchor="b" anchorCtr="1"/>
           <a:lstStyle/>
           <a:p>
             <a:endParaRPr/>
@@ -19308,58 +19168,6 @@
       </p:sp>
       <p:sp>
         <p:nvSpPr>
-          <p:cNvPr id="34" name="object 4">
-            <a:extLst>
-              <a:ext uri="{FF2B5EF4-FFF2-40B4-BE49-F238E27FC236}">
-                <a16:creationId xmlns:a16="http://schemas.microsoft.com/office/drawing/2014/main" id="{B4E1BCC7-86A4-47AA-9421-C2FCAFB33980}"/>
-              </a:ext>
-            </a:extLst>
-          </p:cNvPr>
-          <p:cNvSpPr txBox="1"/>
-          <p:nvPr/>
-        </p:nvSpPr>
-        <p:spPr>
-          <a:xfrm>
-            <a:off x="8963259" y="8079666"/>
-            <a:ext cx="866365" cy="443070"/>
-          </a:xfrm>
-          <a:prstGeom prst="rect">
-            <a:avLst/>
-          </a:prstGeom>
-        </p:spPr>
-        <p:txBody>
-          <a:bodyPr vert="horz" wrap="square" lIns="0" tIns="12065" rIns="0" bIns="0" rtlCol="0">
-            <a:spAutoFit/>
-          </a:bodyPr>
-          <a:lstStyle/>
-          <a:p>
-            <a:pPr marL="12700">
-              <a:lnSpc>
-                <a:spcPct val="100000"/>
-              </a:lnSpc>
-              <a:spcBef>
-                <a:spcPts val="95"/>
-              </a:spcBef>
-            </a:pPr>
-            <a:r>
-              <a:rPr lang="it-IT" sz="2800" b="1" spc="155" dirty="0">
-                <a:solidFill>
-                  <a:srgbClr val="FFFFFF"/>
-                </a:solidFill>
-                <a:latin typeface="Century Gothic"/>
-                <a:cs typeface="Century Gothic"/>
-              </a:rPr>
-              <a:t>6</a:t>
-            </a:r>
-            <a:endParaRPr sz="2800" dirty="0">
-              <a:latin typeface="Century Gothic"/>
-              <a:cs typeface="Century Gothic"/>
-            </a:endParaRPr>
-          </a:p>
-        </p:txBody>
-      </p:sp>
-      <p:sp>
-        <p:nvSpPr>
           <p:cNvPr id="36" name="object 15">
             <a:extLst>
               <a:ext uri="{FF2B5EF4-FFF2-40B4-BE49-F238E27FC236}">
@@ -19462,54 +19270,6 @@
           </a:p>
         </p:txBody>
       </p:sp>
-      <p:sp>
-        <p:nvSpPr>
-          <p:cNvPr id="40" name="object 15">
-            <a:extLst>
-              <a:ext uri="{FF2B5EF4-FFF2-40B4-BE49-F238E27FC236}">
-                <a16:creationId xmlns:a16="http://schemas.microsoft.com/office/drawing/2014/main" id="{74F79672-E493-433A-8736-27324E3AA323}"/>
-              </a:ext>
-            </a:extLst>
-          </p:cNvPr>
-          <p:cNvSpPr txBox="1"/>
-          <p:nvPr/>
-        </p:nvSpPr>
-        <p:spPr>
-          <a:xfrm>
-            <a:off x="10029883" y="8125678"/>
-            <a:ext cx="5274310" cy="443711"/>
-          </a:xfrm>
-          <a:prstGeom prst="rect">
-            <a:avLst/>
-          </a:prstGeom>
-        </p:spPr>
-        <p:txBody>
-          <a:bodyPr vert="horz" wrap="square" lIns="0" tIns="12700" rIns="0" bIns="0" rtlCol="0">
-            <a:spAutoFit/>
-          </a:bodyPr>
-          <a:lstStyle/>
-          <a:p>
-            <a:pPr marL="12700">
-              <a:lnSpc>
-                <a:spcPct val="100000"/>
-              </a:lnSpc>
-              <a:spcBef>
-                <a:spcPts val="100"/>
-              </a:spcBef>
-            </a:pPr>
-            <a:r>
-              <a:rPr lang="it-IT" sz="2800" b="1" dirty="0">
-                <a:solidFill>
-                  <a:schemeClr val="bg2"/>
-                </a:solidFill>
-                <a:latin typeface="Courier New"/>
-                <a:cs typeface="Courier New"/>
-              </a:rPr>
-              <a:t>Team e ringraziamenti</a:t>
-            </a:r>
-          </a:p>
-        </p:txBody>
-      </p:sp>
       <p:pic>
         <p:nvPicPr>
           <p:cNvPr id="42" name="Immagine 41">
@@ -19558,13 +19318,13 @@
   <p:clrMapOvr>
     <a:masterClrMapping/>
   </p:clrMapOvr>
-  <mc:AlternateContent xmlns:mc="http://schemas.openxmlformats.org/markup-compatibility/2006">
-    <mc:Choice xmlns:p159="http://schemas.microsoft.com/office/powerpoint/2015/09/main" Requires="p159">
+  <mc:AlternateContent xmlns:mc="http://schemas.openxmlformats.org/markup-compatibility/2006" xmlns:p159="http://schemas.microsoft.com/office/powerpoint/2015/09/main">
+    <mc:Choice Requires="p159">
       <p:transition spd="slow">
         <p159:morph option="byObject"/>
       </p:transition>
     </mc:Choice>
-    <mc:Fallback>
+    <mc:Fallback xmlns="">
       <p:transition spd="slow">
         <p:fade/>
       </p:transition>
@@ -20883,33 +20643,1570 @@
                       </p:childTnLst>
                     </p:cTn>
                   </p:par>
+                </p:childTnLst>
+              </p:cTn>
+              <p:prevCondLst>
+                <p:cond evt="onPrev" delay="0">
+                  <p:tgtEl>
+                    <p:sldTgt/>
+                  </p:tgtEl>
+                </p:cond>
+              </p:prevCondLst>
+              <p:nextCondLst>
+                <p:cond evt="onNext" delay="0">
+                  <p:tgtEl>
+                    <p:sldTgt/>
+                  </p:tgtEl>
+                </p:cond>
+              </p:nextCondLst>
+            </p:seq>
+          </p:childTnLst>
+        </p:cTn>
+      </p:par>
+    </p:tnLst>
+    <p:bldLst>
+      <p:bldP spid="13" grpId="0"/>
+      <p:bldP spid="14" grpId="0"/>
+      <p:bldP spid="15" grpId="0"/>
+      <p:bldP spid="23" grpId="0" animBg="1"/>
+      <p:bldP spid="24" grpId="0" animBg="1"/>
+      <p:bldP spid="25" grpId="0" animBg="1"/>
+      <p:bldP spid="26" grpId="0" animBg="1"/>
+      <p:bldP spid="27" grpId="0" animBg="1"/>
+      <p:bldP spid="4" grpId="0"/>
+      <p:bldP spid="30" grpId="0"/>
+      <p:bldP spid="31" grpId="0"/>
+      <p:bldP spid="32" grpId="0"/>
+      <p:bldP spid="33" grpId="0"/>
+      <p:bldP spid="36" grpId="0"/>
+      <p:bldP spid="37" grpId="0"/>
+    </p:bldLst>
+  </p:timing>
+</p:sld>
+</file>
+
+<file path=ppt/slides/slide3.xml><?xml version="1.0" encoding="utf-8"?>
+<p:sld xmlns:a="http://schemas.openxmlformats.org/drawingml/2006/main" xmlns:r="http://schemas.openxmlformats.org/officeDocument/2006/relationships" xmlns:p="http://schemas.openxmlformats.org/presentationml/2006/main">
+  <p:cSld>
+    <p:spTree>
+      <p:nvGrpSpPr>
+        <p:cNvPr id="1" name=""/>
+        <p:cNvGrpSpPr/>
+        <p:nvPr/>
+      </p:nvGrpSpPr>
+      <p:grpSpPr>
+        <a:xfrm>
+          <a:off x="0" y="0"/>
+          <a:ext cx="0" cy="0"/>
+          <a:chOff x="0" y="0"/>
+          <a:chExt cx="0" cy="0"/>
+        </a:xfrm>
+      </p:grpSpPr>
+      <p:sp>
+        <p:nvSpPr>
+          <p:cNvPr id="2" name="object 2"/>
+          <p:cNvSpPr/>
+          <p:nvPr/>
+        </p:nvSpPr>
+        <p:spPr>
+          <a:xfrm>
+            <a:off x="0" y="790485"/>
+            <a:ext cx="3864610" cy="8702675"/>
+          </a:xfrm>
+          <a:custGeom>
+            <a:avLst/>
+            <a:gdLst/>
+            <a:ahLst/>
+            <a:cxnLst/>
+            <a:rect l="l" t="t" r="r" b="b"/>
+            <a:pathLst>
+              <a:path w="3864610" h="8702675">
+                <a:moveTo>
+                  <a:pt x="0" y="8702475"/>
+                </a:moveTo>
+                <a:lnTo>
+                  <a:pt x="0" y="0"/>
+                </a:lnTo>
+                <a:lnTo>
+                  <a:pt x="53783" y="6631"/>
+                </a:lnTo>
+                <a:lnTo>
+                  <a:pt x="100443" y="12961"/>
+                </a:lnTo>
+                <a:lnTo>
+                  <a:pt x="146947" y="19780"/>
+                </a:lnTo>
+                <a:lnTo>
+                  <a:pt x="193291" y="27084"/>
+                </a:lnTo>
+                <a:lnTo>
+                  <a:pt x="239473" y="34871"/>
+                </a:lnTo>
+                <a:lnTo>
+                  <a:pt x="285490" y="43138"/>
+                </a:lnTo>
+                <a:lnTo>
+                  <a:pt x="331339" y="51883"/>
+                </a:lnTo>
+                <a:lnTo>
+                  <a:pt x="377018" y="61103"/>
+                </a:lnTo>
+                <a:lnTo>
+                  <a:pt x="422524" y="70796"/>
+                </a:lnTo>
+                <a:lnTo>
+                  <a:pt x="467854" y="80958"/>
+                </a:lnTo>
+                <a:lnTo>
+                  <a:pt x="513006" y="91587"/>
+                </a:lnTo>
+                <a:lnTo>
+                  <a:pt x="557977" y="102680"/>
+                </a:lnTo>
+                <a:lnTo>
+                  <a:pt x="602764" y="114235"/>
+                </a:lnTo>
+                <a:lnTo>
+                  <a:pt x="647365" y="126249"/>
+                </a:lnTo>
+                <a:lnTo>
+                  <a:pt x="691777" y="138719"/>
+                </a:lnTo>
+                <a:lnTo>
+                  <a:pt x="735998" y="151643"/>
+                </a:lnTo>
+                <a:lnTo>
+                  <a:pt x="780024" y="165017"/>
+                </a:lnTo>
+                <a:lnTo>
+                  <a:pt x="823853" y="178840"/>
+                </a:lnTo>
+                <a:lnTo>
+                  <a:pt x="867482" y="193109"/>
+                </a:lnTo>
+                <a:lnTo>
+                  <a:pt x="910909" y="207821"/>
+                </a:lnTo>
+                <a:lnTo>
+                  <a:pt x="954131" y="222972"/>
+                </a:lnTo>
+                <a:lnTo>
+                  <a:pt x="997145" y="238562"/>
+                </a:lnTo>
+                <a:lnTo>
+                  <a:pt x="1039949" y="254586"/>
+                </a:lnTo>
+                <a:lnTo>
+                  <a:pt x="1082539" y="271043"/>
+                </a:lnTo>
+                <a:lnTo>
+                  <a:pt x="1124914" y="287929"/>
+                </a:lnTo>
+                <a:lnTo>
+                  <a:pt x="1167071" y="305242"/>
+                </a:lnTo>
+                <a:lnTo>
+                  <a:pt x="1209006" y="322979"/>
+                </a:lnTo>
+                <a:lnTo>
+                  <a:pt x="1250718" y="341137"/>
+                </a:lnTo>
+                <a:lnTo>
+                  <a:pt x="1292204" y="359715"/>
+                </a:lnTo>
+                <a:lnTo>
+                  <a:pt x="1333460" y="378709"/>
+                </a:lnTo>
+                <a:lnTo>
+                  <a:pt x="1374484" y="398116"/>
+                </a:lnTo>
+                <a:lnTo>
+                  <a:pt x="1415274" y="417934"/>
+                </a:lnTo>
+                <a:lnTo>
+                  <a:pt x="1455827" y="438161"/>
+                </a:lnTo>
+                <a:lnTo>
+                  <a:pt x="1496140" y="458792"/>
+                </a:lnTo>
+                <a:lnTo>
+                  <a:pt x="1536211" y="479827"/>
+                </a:lnTo>
+                <a:lnTo>
+                  <a:pt x="1576037" y="501262"/>
+                </a:lnTo>
+                <a:lnTo>
+                  <a:pt x="1615614" y="523094"/>
+                </a:lnTo>
+                <a:lnTo>
+                  <a:pt x="1654942" y="545321"/>
+                </a:lnTo>
+                <a:lnTo>
+                  <a:pt x="1694016" y="567941"/>
+                </a:lnTo>
+                <a:lnTo>
+                  <a:pt x="1732834" y="590949"/>
+                </a:lnTo>
+                <a:lnTo>
+                  <a:pt x="1771394" y="614345"/>
+                </a:lnTo>
+                <a:lnTo>
+                  <a:pt x="1809693" y="638124"/>
+                </a:lnTo>
+                <a:lnTo>
+                  <a:pt x="1847727" y="662285"/>
+                </a:lnTo>
+                <a:lnTo>
+                  <a:pt x="1885496" y="686825"/>
+                </a:lnTo>
+                <a:lnTo>
+                  <a:pt x="1922995" y="711741"/>
+                </a:lnTo>
+                <a:lnTo>
+                  <a:pt x="1960222" y="737031"/>
+                </a:lnTo>
+                <a:lnTo>
+                  <a:pt x="1997175" y="762691"/>
+                </a:lnTo>
+                <a:lnTo>
+                  <a:pt x="2033850" y="788719"/>
+                </a:lnTo>
+                <a:lnTo>
+                  <a:pt x="2070246" y="815113"/>
+                </a:lnTo>
+                <a:lnTo>
+                  <a:pt x="2106359" y="841869"/>
+                </a:lnTo>
+                <a:lnTo>
+                  <a:pt x="2142187" y="868985"/>
+                </a:lnTo>
+                <a:lnTo>
+                  <a:pt x="2177727" y="896459"/>
+                </a:lnTo>
+                <a:lnTo>
+                  <a:pt x="2212976" y="924288"/>
+                </a:lnTo>
+                <a:lnTo>
+                  <a:pt x="2247932" y="952468"/>
+                </a:lnTo>
+                <a:lnTo>
+                  <a:pt x="2282593" y="980998"/>
+                </a:lnTo>
+                <a:lnTo>
+                  <a:pt x="2316954" y="1009875"/>
+                </a:lnTo>
+                <a:lnTo>
+                  <a:pt x="2351015" y="1039096"/>
+                </a:lnTo>
+                <a:lnTo>
+                  <a:pt x="2384771" y="1068658"/>
+                </a:lnTo>
+                <a:lnTo>
+                  <a:pt x="2418221" y="1098559"/>
+                </a:lnTo>
+                <a:lnTo>
+                  <a:pt x="2451361" y="1128795"/>
+                </a:lnTo>
+                <a:lnTo>
+                  <a:pt x="2484190" y="1159365"/>
+                </a:lnTo>
+                <a:lnTo>
+                  <a:pt x="2516704" y="1190266"/>
+                </a:lnTo>
+                <a:lnTo>
+                  <a:pt x="2548901" y="1221495"/>
+                </a:lnTo>
+                <a:lnTo>
+                  <a:pt x="2580777" y="1253049"/>
+                </a:lnTo>
+                <a:lnTo>
+                  <a:pt x="2612331" y="1284926"/>
+                </a:lnTo>
+                <a:lnTo>
+                  <a:pt x="2643560" y="1317122"/>
+                </a:lnTo>
+                <a:lnTo>
+                  <a:pt x="2674461" y="1349636"/>
+                </a:lnTo>
+                <a:lnTo>
+                  <a:pt x="2705031" y="1382465"/>
+                </a:lnTo>
+                <a:lnTo>
+                  <a:pt x="2735268" y="1415605"/>
+                </a:lnTo>
+                <a:lnTo>
+                  <a:pt x="2765168" y="1449055"/>
+                </a:lnTo>
+                <a:lnTo>
+                  <a:pt x="2794730" y="1482812"/>
+                </a:lnTo>
+                <a:lnTo>
+                  <a:pt x="2823951" y="1516872"/>
+                </a:lnTo>
+                <a:lnTo>
+                  <a:pt x="2852828" y="1551234"/>
+                </a:lnTo>
+                <a:lnTo>
+                  <a:pt x="2881358" y="1585894"/>
+                </a:lnTo>
+                <a:lnTo>
+                  <a:pt x="2909538" y="1620850"/>
+                </a:lnTo>
+                <a:lnTo>
+                  <a:pt x="2937367" y="1656099"/>
+                </a:lnTo>
+                <a:lnTo>
+                  <a:pt x="2964841" y="1691639"/>
+                </a:lnTo>
+                <a:lnTo>
+                  <a:pt x="2991957" y="1727467"/>
+                </a:lnTo>
+                <a:lnTo>
+                  <a:pt x="3018714" y="1763580"/>
+                </a:lnTo>
+                <a:lnTo>
+                  <a:pt x="3045107" y="1799976"/>
+                </a:lnTo>
+                <a:lnTo>
+                  <a:pt x="3071135" y="1836651"/>
+                </a:lnTo>
+                <a:lnTo>
+                  <a:pt x="3096796" y="1873604"/>
+                </a:lnTo>
+                <a:lnTo>
+                  <a:pt x="3122085" y="1910831"/>
+                </a:lnTo>
+                <a:lnTo>
+                  <a:pt x="3147001" y="1948330"/>
+                </a:lnTo>
+                <a:lnTo>
+                  <a:pt x="3171541" y="1986099"/>
+                </a:lnTo>
+                <a:lnTo>
+                  <a:pt x="3195702" y="2024134"/>
+                </a:lnTo>
+                <a:lnTo>
+                  <a:pt x="3219481" y="2062432"/>
+                </a:lnTo>
+                <a:lnTo>
+                  <a:pt x="3242877" y="2100992"/>
+                </a:lnTo>
+                <a:lnTo>
+                  <a:pt x="3265886" y="2139810"/>
+                </a:lnTo>
+                <a:lnTo>
+                  <a:pt x="3288505" y="2178884"/>
+                </a:lnTo>
+                <a:lnTo>
+                  <a:pt x="3310732" y="2218212"/>
+                </a:lnTo>
+                <a:lnTo>
+                  <a:pt x="3332564" y="2257790"/>
+                </a:lnTo>
+                <a:lnTo>
+                  <a:pt x="3353999" y="2297615"/>
+                </a:lnTo>
+                <a:lnTo>
+                  <a:pt x="3375034" y="2337686"/>
+                </a:lnTo>
+                <a:lnTo>
+                  <a:pt x="3395666" y="2377999"/>
+                </a:lnTo>
+                <a:lnTo>
+                  <a:pt x="3415892" y="2418552"/>
+                </a:lnTo>
+                <a:lnTo>
+                  <a:pt x="3435710" y="2459342"/>
+                </a:lnTo>
+                <a:lnTo>
+                  <a:pt x="3455117" y="2500366"/>
+                </a:lnTo>
+                <a:lnTo>
+                  <a:pt x="3474111" y="2541623"/>
+                </a:lnTo>
+                <a:lnTo>
+                  <a:pt x="3492689" y="2583108"/>
+                </a:lnTo>
+                <a:lnTo>
+                  <a:pt x="3510847" y="2624820"/>
+                </a:lnTo>
+                <a:lnTo>
+                  <a:pt x="3528585" y="2666755"/>
+                </a:lnTo>
+                <a:lnTo>
+                  <a:pt x="3545898" y="2708912"/>
+                </a:lnTo>
+                <a:lnTo>
+                  <a:pt x="3562784" y="2751287"/>
+                </a:lnTo>
+                <a:lnTo>
+                  <a:pt x="3579240" y="2793878"/>
+                </a:lnTo>
+                <a:lnTo>
+                  <a:pt x="3595264" y="2836681"/>
+                </a:lnTo>
+                <a:lnTo>
+                  <a:pt x="3610854" y="2879696"/>
+                </a:lnTo>
+                <a:lnTo>
+                  <a:pt x="3626006" y="2922917"/>
+                </a:lnTo>
+                <a:lnTo>
+                  <a:pt x="3640717" y="2966344"/>
+                </a:lnTo>
+                <a:lnTo>
+                  <a:pt x="3654986" y="3009974"/>
+                </a:lnTo>
+                <a:lnTo>
+                  <a:pt x="3668809" y="3053803"/>
+                </a:lnTo>
+                <a:lnTo>
+                  <a:pt x="3682183" y="3097829"/>
+                </a:lnTo>
+                <a:lnTo>
+                  <a:pt x="3695107" y="3142049"/>
+                </a:lnTo>
+                <a:lnTo>
+                  <a:pt x="3707577" y="3186461"/>
+                </a:lnTo>
+                <a:lnTo>
+                  <a:pt x="3719591" y="3231062"/>
+                </a:lnTo>
+                <a:lnTo>
+                  <a:pt x="3731146" y="3275849"/>
+                </a:lnTo>
+                <a:lnTo>
+                  <a:pt x="3742240" y="3320820"/>
+                </a:lnTo>
+                <a:lnTo>
+                  <a:pt x="3752869" y="3365972"/>
+                </a:lnTo>
+                <a:lnTo>
+                  <a:pt x="3763031" y="3411303"/>
+                </a:lnTo>
+                <a:lnTo>
+                  <a:pt x="3772723" y="3456809"/>
+                </a:lnTo>
+                <a:lnTo>
+                  <a:pt x="3781943" y="3502488"/>
+                </a:lnTo>
+                <a:lnTo>
+                  <a:pt x="3790688" y="3548337"/>
+                </a:lnTo>
+                <a:lnTo>
+                  <a:pt x="3798955" y="3594353"/>
+                </a:lnTo>
+                <a:lnTo>
+                  <a:pt x="3806742" y="3640535"/>
+                </a:lnTo>
+                <a:lnTo>
+                  <a:pt x="3814046" y="3686879"/>
+                </a:lnTo>
+                <a:lnTo>
+                  <a:pt x="3820865" y="3733383"/>
+                </a:lnTo>
+                <a:lnTo>
+                  <a:pt x="3827195" y="3780043"/>
+                </a:lnTo>
+                <a:lnTo>
+                  <a:pt x="3833034" y="3826858"/>
+                </a:lnTo>
+                <a:lnTo>
+                  <a:pt x="3838379" y="3873825"/>
+                </a:lnTo>
+                <a:lnTo>
+                  <a:pt x="3843228" y="3920940"/>
+                </a:lnTo>
+                <a:lnTo>
+                  <a:pt x="3847577" y="3968201"/>
+                </a:lnTo>
+                <a:lnTo>
+                  <a:pt x="3851425" y="4015607"/>
+                </a:lnTo>
+                <a:lnTo>
+                  <a:pt x="3854769" y="4063152"/>
+                </a:lnTo>
+                <a:lnTo>
+                  <a:pt x="3857606" y="4110837"/>
+                </a:lnTo>
+                <a:lnTo>
+                  <a:pt x="3859932" y="4158656"/>
+                </a:lnTo>
+                <a:lnTo>
+                  <a:pt x="3861747" y="4206609"/>
+                </a:lnTo>
+                <a:lnTo>
+                  <a:pt x="3863046" y="4254692"/>
+                </a:lnTo>
+                <a:lnTo>
+                  <a:pt x="3863828" y="4302902"/>
+                </a:lnTo>
+                <a:lnTo>
+                  <a:pt x="3864089" y="4351237"/>
+                </a:lnTo>
+                <a:lnTo>
+                  <a:pt x="3863828" y="4399572"/>
+                </a:lnTo>
+                <a:lnTo>
+                  <a:pt x="3863046" y="4447783"/>
+                </a:lnTo>
+                <a:lnTo>
+                  <a:pt x="3861747" y="4495866"/>
+                </a:lnTo>
+                <a:lnTo>
+                  <a:pt x="3859932" y="4543818"/>
+                </a:lnTo>
+                <a:lnTo>
+                  <a:pt x="3857606" y="4591638"/>
+                </a:lnTo>
+                <a:lnTo>
+                  <a:pt x="3854769" y="4639322"/>
+                </a:lnTo>
+                <a:lnTo>
+                  <a:pt x="3851425" y="4686868"/>
+                </a:lnTo>
+                <a:lnTo>
+                  <a:pt x="3847577" y="4734273"/>
+                </a:lnTo>
+                <a:lnTo>
+                  <a:pt x="3843228" y="4781535"/>
+                </a:lnTo>
+                <a:lnTo>
+                  <a:pt x="3838379" y="4828650"/>
+                </a:lnTo>
+                <a:lnTo>
+                  <a:pt x="3833034" y="4875616"/>
+                </a:lnTo>
+                <a:lnTo>
+                  <a:pt x="3827195" y="4922431"/>
+                </a:lnTo>
+                <a:lnTo>
+                  <a:pt x="3820865" y="4969092"/>
+                </a:lnTo>
+                <a:lnTo>
+                  <a:pt x="3814046" y="5015595"/>
+                </a:lnTo>
+                <a:lnTo>
+                  <a:pt x="3806742" y="5061939"/>
+                </a:lnTo>
+                <a:lnTo>
+                  <a:pt x="3798955" y="5108121"/>
+                </a:lnTo>
+                <a:lnTo>
+                  <a:pt x="3790688" y="5154138"/>
+                </a:lnTo>
+                <a:lnTo>
+                  <a:pt x="3781943" y="5199987"/>
+                </a:lnTo>
+                <a:lnTo>
+                  <a:pt x="3772723" y="5245666"/>
+                </a:lnTo>
+                <a:lnTo>
+                  <a:pt x="3763031" y="5291172"/>
+                </a:lnTo>
+                <a:lnTo>
+                  <a:pt x="3752869" y="5336502"/>
+                </a:lnTo>
+                <a:lnTo>
+                  <a:pt x="3742240" y="5381654"/>
+                </a:lnTo>
+                <a:lnTo>
+                  <a:pt x="3731146" y="5426625"/>
+                </a:lnTo>
+                <a:lnTo>
+                  <a:pt x="3719591" y="5471413"/>
+                </a:lnTo>
+                <a:lnTo>
+                  <a:pt x="3707577" y="5516014"/>
+                </a:lnTo>
+                <a:lnTo>
+                  <a:pt x="3695107" y="5560426"/>
+                </a:lnTo>
+                <a:lnTo>
+                  <a:pt x="3682183" y="5604646"/>
+                </a:lnTo>
+                <a:lnTo>
+                  <a:pt x="3668809" y="5648672"/>
+                </a:lnTo>
+                <a:lnTo>
+                  <a:pt x="3654986" y="5692501"/>
+                </a:lnTo>
+                <a:lnTo>
+                  <a:pt x="3640717" y="5736130"/>
+                </a:lnTo>
+                <a:lnTo>
+                  <a:pt x="3626006" y="5779557"/>
+                </a:lnTo>
+                <a:lnTo>
+                  <a:pt x="3610854" y="5822779"/>
+                </a:lnTo>
+                <a:lnTo>
+                  <a:pt x="3595264" y="5865793"/>
+                </a:lnTo>
+                <a:lnTo>
+                  <a:pt x="3579240" y="5908597"/>
+                </a:lnTo>
+                <a:lnTo>
+                  <a:pt x="3562784" y="5951188"/>
+                </a:lnTo>
+                <a:lnTo>
+                  <a:pt x="3545898" y="5993563"/>
+                </a:lnTo>
+                <a:lnTo>
+                  <a:pt x="3528585" y="6035719"/>
+                </a:lnTo>
+                <a:lnTo>
+                  <a:pt x="3510847" y="6077655"/>
+                </a:lnTo>
+                <a:lnTo>
+                  <a:pt x="3492689" y="6119367"/>
+                </a:lnTo>
+                <a:lnTo>
+                  <a:pt x="3474111" y="6160852"/>
+                </a:lnTo>
+                <a:lnTo>
+                  <a:pt x="3455117" y="6202108"/>
+                </a:lnTo>
+                <a:lnTo>
+                  <a:pt x="3435710" y="6243133"/>
+                </a:lnTo>
+                <a:lnTo>
+                  <a:pt x="3415892" y="6283923"/>
+                </a:lnTo>
+                <a:lnTo>
+                  <a:pt x="3395666" y="6324476"/>
+                </a:lnTo>
+                <a:lnTo>
+                  <a:pt x="3375034" y="6364789"/>
+                </a:lnTo>
+                <a:lnTo>
+                  <a:pt x="3353999" y="6404860"/>
+                </a:lnTo>
+                <a:lnTo>
+                  <a:pt x="3332564" y="6444685"/>
+                </a:lnTo>
+                <a:lnTo>
+                  <a:pt x="3310732" y="6484263"/>
+                </a:lnTo>
+                <a:lnTo>
+                  <a:pt x="3288505" y="6523590"/>
+                </a:lnTo>
+                <a:lnTo>
+                  <a:pt x="3265886" y="6562664"/>
+                </a:lnTo>
+                <a:lnTo>
+                  <a:pt x="3242877" y="6601483"/>
+                </a:lnTo>
+                <a:lnTo>
+                  <a:pt x="3219481" y="6640042"/>
+                </a:lnTo>
+                <a:lnTo>
+                  <a:pt x="3195702" y="6678341"/>
+                </a:lnTo>
+                <a:lnTo>
+                  <a:pt x="3171541" y="6716376"/>
+                </a:lnTo>
+                <a:lnTo>
+                  <a:pt x="3147001" y="6754144"/>
+                </a:lnTo>
+                <a:lnTo>
+                  <a:pt x="3122085" y="6791643"/>
+                </a:lnTo>
+                <a:lnTo>
+                  <a:pt x="3096796" y="6828871"/>
+                </a:lnTo>
+                <a:lnTo>
+                  <a:pt x="3071135" y="6865823"/>
+                </a:lnTo>
+                <a:lnTo>
+                  <a:pt x="3045107" y="6902499"/>
+                </a:lnTo>
+                <a:lnTo>
+                  <a:pt x="3018714" y="6938894"/>
+                </a:lnTo>
+                <a:lnTo>
+                  <a:pt x="2991957" y="6975007"/>
+                </a:lnTo>
+                <a:lnTo>
+                  <a:pt x="2964841" y="7010835"/>
+                </a:lnTo>
+                <a:lnTo>
+                  <a:pt x="2937367" y="7046375"/>
+                </a:lnTo>
+                <a:lnTo>
+                  <a:pt x="2909538" y="7081625"/>
+                </a:lnTo>
+                <a:lnTo>
+                  <a:pt x="2881358" y="7116581"/>
+                </a:lnTo>
+                <a:lnTo>
+                  <a:pt x="2852828" y="7151241"/>
+                </a:lnTo>
+                <a:lnTo>
+                  <a:pt x="2823951" y="7185603"/>
+                </a:lnTo>
+                <a:lnTo>
+                  <a:pt x="2794730" y="7219663"/>
+                </a:lnTo>
+                <a:lnTo>
+                  <a:pt x="2765168" y="7253419"/>
+                </a:lnTo>
+                <a:lnTo>
+                  <a:pt x="2735268" y="7286869"/>
+                </a:lnTo>
+                <a:lnTo>
+                  <a:pt x="2705031" y="7320010"/>
+                </a:lnTo>
+                <a:lnTo>
+                  <a:pt x="2674461" y="7352838"/>
+                </a:lnTo>
+                <a:lnTo>
+                  <a:pt x="2643560" y="7385352"/>
+                </a:lnTo>
+                <a:lnTo>
+                  <a:pt x="2612331" y="7417549"/>
+                </a:lnTo>
+                <a:lnTo>
+                  <a:pt x="2580777" y="7449426"/>
+                </a:lnTo>
+                <a:lnTo>
+                  <a:pt x="2548901" y="7480980"/>
+                </a:lnTo>
+                <a:lnTo>
+                  <a:pt x="2516704" y="7512209"/>
+                </a:lnTo>
+                <a:lnTo>
+                  <a:pt x="2484190" y="7543109"/>
+                </a:lnTo>
+                <a:lnTo>
+                  <a:pt x="2451361" y="7573679"/>
+                </a:lnTo>
+                <a:lnTo>
+                  <a:pt x="2418221" y="7603916"/>
+                </a:lnTo>
+                <a:lnTo>
+                  <a:pt x="2384771" y="7633817"/>
+                </a:lnTo>
+                <a:lnTo>
+                  <a:pt x="2351015" y="7663379"/>
+                </a:lnTo>
+                <a:lnTo>
+                  <a:pt x="2316954" y="7692600"/>
+                </a:lnTo>
+                <a:lnTo>
+                  <a:pt x="2282593" y="7721476"/>
+                </a:lnTo>
+                <a:lnTo>
+                  <a:pt x="2247932" y="7750006"/>
+                </a:lnTo>
+                <a:lnTo>
+                  <a:pt x="2212976" y="7778187"/>
+                </a:lnTo>
+                <a:lnTo>
+                  <a:pt x="2177727" y="7806015"/>
+                </a:lnTo>
+                <a:lnTo>
+                  <a:pt x="2142187" y="7833489"/>
+                </a:lnTo>
+                <a:lnTo>
+                  <a:pt x="2106359" y="7860606"/>
+                </a:lnTo>
+                <a:lnTo>
+                  <a:pt x="2070246" y="7887362"/>
+                </a:lnTo>
+                <a:lnTo>
+                  <a:pt x="2033850" y="7913756"/>
+                </a:lnTo>
+                <a:lnTo>
+                  <a:pt x="1997175" y="7939784"/>
+                </a:lnTo>
+                <a:lnTo>
+                  <a:pt x="1960222" y="7965444"/>
+                </a:lnTo>
+                <a:lnTo>
+                  <a:pt x="1922995" y="7990733"/>
+                </a:lnTo>
+                <a:lnTo>
+                  <a:pt x="1885496" y="8015649"/>
+                </a:lnTo>
+                <a:lnTo>
+                  <a:pt x="1847727" y="8040189"/>
+                </a:lnTo>
+                <a:lnTo>
+                  <a:pt x="1809693" y="8064350"/>
+                </a:lnTo>
+                <a:lnTo>
+                  <a:pt x="1771394" y="8088130"/>
+                </a:lnTo>
+                <a:lnTo>
+                  <a:pt x="1732834" y="8111525"/>
+                </a:lnTo>
+                <a:lnTo>
+                  <a:pt x="1694016" y="8134534"/>
+                </a:lnTo>
+                <a:lnTo>
+                  <a:pt x="1654942" y="8157153"/>
+                </a:lnTo>
+                <a:lnTo>
+                  <a:pt x="1615614" y="8179381"/>
+                </a:lnTo>
+                <a:lnTo>
+                  <a:pt x="1576037" y="8201213"/>
+                </a:lnTo>
+                <a:lnTo>
+                  <a:pt x="1536211" y="8222648"/>
+                </a:lnTo>
+                <a:lnTo>
+                  <a:pt x="1496140" y="8243682"/>
+                </a:lnTo>
+                <a:lnTo>
+                  <a:pt x="1455827" y="8264314"/>
+                </a:lnTo>
+                <a:lnTo>
+                  <a:pt x="1415274" y="8284540"/>
+                </a:lnTo>
+                <a:lnTo>
+                  <a:pt x="1374484" y="8304359"/>
+                </a:lnTo>
+                <a:lnTo>
+                  <a:pt x="1333460" y="8323766"/>
+                </a:lnTo>
+                <a:lnTo>
+                  <a:pt x="1292204" y="8342760"/>
+                </a:lnTo>
+                <a:lnTo>
+                  <a:pt x="1250718" y="8361337"/>
+                </a:lnTo>
+                <a:lnTo>
+                  <a:pt x="1209006" y="8379496"/>
+                </a:lnTo>
+                <a:lnTo>
+                  <a:pt x="1167071" y="8397233"/>
+                </a:lnTo>
+                <a:lnTo>
+                  <a:pt x="1124914" y="8414546"/>
+                </a:lnTo>
+                <a:lnTo>
+                  <a:pt x="1082539" y="8431432"/>
+                </a:lnTo>
+                <a:lnTo>
+                  <a:pt x="1039949" y="8447889"/>
+                </a:lnTo>
+                <a:lnTo>
+                  <a:pt x="997145" y="8463913"/>
+                </a:lnTo>
+                <a:lnTo>
+                  <a:pt x="954131" y="8479502"/>
+                </a:lnTo>
+                <a:lnTo>
+                  <a:pt x="910909" y="8494654"/>
+                </a:lnTo>
+                <a:lnTo>
+                  <a:pt x="867482" y="8509366"/>
+                </a:lnTo>
+                <a:lnTo>
+                  <a:pt x="823853" y="8523634"/>
+                </a:lnTo>
+                <a:lnTo>
+                  <a:pt x="780024" y="8537457"/>
+                </a:lnTo>
+                <a:lnTo>
+                  <a:pt x="735998" y="8550832"/>
+                </a:lnTo>
+                <a:lnTo>
+                  <a:pt x="691777" y="8563756"/>
+                </a:lnTo>
+                <a:lnTo>
+                  <a:pt x="647365" y="8576226"/>
+                </a:lnTo>
+                <a:lnTo>
+                  <a:pt x="602764" y="8588240"/>
+                </a:lnTo>
+                <a:lnTo>
+                  <a:pt x="557977" y="8599795"/>
+                </a:lnTo>
+                <a:lnTo>
+                  <a:pt x="513006" y="8610888"/>
+                </a:lnTo>
+                <a:lnTo>
+                  <a:pt x="467854" y="8621517"/>
+                </a:lnTo>
+                <a:lnTo>
+                  <a:pt x="422524" y="8631679"/>
+                </a:lnTo>
+                <a:lnTo>
+                  <a:pt x="377018" y="8641371"/>
+                </a:lnTo>
+                <a:lnTo>
+                  <a:pt x="331339" y="8650591"/>
+                </a:lnTo>
+                <a:lnTo>
+                  <a:pt x="285490" y="8659336"/>
+                </a:lnTo>
+                <a:lnTo>
+                  <a:pt x="239473" y="8667604"/>
+                </a:lnTo>
+                <a:lnTo>
+                  <a:pt x="193291" y="8675391"/>
+                </a:lnTo>
+                <a:lnTo>
+                  <a:pt x="146947" y="8682695"/>
+                </a:lnTo>
+                <a:lnTo>
+                  <a:pt x="100443" y="8689513"/>
+                </a:lnTo>
+                <a:lnTo>
+                  <a:pt x="53783" y="8695843"/>
+                </a:lnTo>
+                <a:lnTo>
+                  <a:pt x="0" y="8702475"/>
+                </a:lnTo>
+                <a:close/>
+              </a:path>
+            </a:pathLst>
+          </a:custGeom>
+          <a:solidFill>
+            <a:srgbClr val="000000">
+              <a:alpha val="34899"/>
+            </a:srgbClr>
+          </a:solidFill>
+        </p:spPr>
+        <p:txBody>
+          <a:bodyPr wrap="square" lIns="0" tIns="0" rIns="0" bIns="0" rtlCol="0"/>
+          <a:lstStyle/>
+          <a:p>
+            <a:endParaRPr/>
+          </a:p>
+        </p:txBody>
+      </p:sp>
+      <p:pic>
+        <p:nvPicPr>
+          <p:cNvPr id="9" name="object 9"/>
+          <p:cNvPicPr/>
+          <p:nvPr/>
+        </p:nvPicPr>
+        <p:blipFill>
+          <a:blip r:embed="rId2" cstate="print"/>
+          <a:stretch>
+            <a:fillRect/>
+          </a:stretch>
+        </p:blipFill>
+        <p:spPr>
+          <a:xfrm>
+            <a:off x="226877" y="293455"/>
+            <a:ext cx="1400174" cy="1400174"/>
+          </a:xfrm>
+          <a:prstGeom prst="rect">
+            <a:avLst/>
+          </a:prstGeom>
+        </p:spPr>
+      </p:pic>
+      <p:pic>
+        <p:nvPicPr>
+          <p:cNvPr id="11" name="object 11"/>
+          <p:cNvPicPr/>
+          <p:nvPr/>
+        </p:nvPicPr>
+        <p:blipFill>
+          <a:blip r:embed="rId3" cstate="print"/>
+          <a:stretch>
+            <a:fillRect/>
+          </a:stretch>
+        </p:blipFill>
+        <p:spPr>
+          <a:xfrm>
+            <a:off x="761380" y="3065207"/>
+            <a:ext cx="5229224" cy="5229224"/>
+          </a:xfrm>
+          <a:prstGeom prst="rect">
+            <a:avLst/>
+          </a:prstGeom>
+        </p:spPr>
+      </p:pic>
+      <p:sp>
+        <p:nvSpPr>
+          <p:cNvPr id="12" name="object 12"/>
+          <p:cNvSpPr txBox="1">
+            <a:spLocks noGrp="1"/>
+          </p:cNvSpPr>
+          <p:nvPr>
+            <p:ph type="title"/>
+          </p:nvPr>
+        </p:nvSpPr>
+        <p:spPr>
+          <a:xfrm>
+            <a:off x="1724242" y="2626270"/>
+            <a:ext cx="3603897" cy="939800"/>
+          </a:xfrm>
+          <a:prstGeom prst="rect">
+            <a:avLst/>
+          </a:prstGeom>
+          <a:effectLst>
+            <a:glow rad="330200">
+              <a:schemeClr val="accent1">
+                <a:alpha val="64000"/>
+              </a:schemeClr>
+            </a:glow>
+          </a:effectLst>
+        </p:spPr>
+        <p:txBody>
+          <a:bodyPr vert="horz" wrap="square" lIns="0" tIns="12700" rIns="0" bIns="0" rtlCol="0">
+            <a:spAutoFit/>
+            <a:scene3d>
+              <a:camera prst="orthographicFront"/>
+              <a:lightRig rig="threePt" dir="t"/>
+            </a:scene3d>
+            <a:sp3d prstMaterial="matte"/>
+          </a:bodyPr>
+          <a:lstStyle/>
+          <a:p>
+            <a:pPr marL="12700">
+              <a:lnSpc>
+                <a:spcPct val="100000"/>
+              </a:lnSpc>
+              <a:spcBef>
+                <a:spcPts val="100"/>
+              </a:spcBef>
+            </a:pPr>
+            <a:r>
+              <a:rPr sz="6000" spc="55" dirty="0">
+                <a:effectLst>
+                  <a:outerShdw blurRad="50800" dist="50800" dir="5400000" algn="ctr" rotWithShape="0">
+                    <a:srgbClr val="000000">
+                      <a:alpha val="99000"/>
+                    </a:srgbClr>
+                  </a:outerShdw>
+                </a:effectLst>
+              </a:rPr>
+              <a:t>A</a:t>
+            </a:r>
+            <a:r>
+              <a:rPr sz="6000" spc="-610" dirty="0">
+                <a:effectLst>
+                  <a:outerShdw blurRad="50800" dist="50800" dir="5400000" algn="ctr" rotWithShape="0">
+                    <a:srgbClr val="000000">
+                      <a:alpha val="99000"/>
+                    </a:srgbClr>
+                  </a:outerShdw>
+                </a:effectLst>
+              </a:rPr>
+              <a:t>G</a:t>
+            </a:r>
+            <a:r>
+              <a:rPr sz="6000" spc="440" dirty="0">
+                <a:effectLst>
+                  <a:outerShdw blurRad="50800" dist="50800" dir="5400000" algn="ctr" rotWithShape="0">
+                    <a:srgbClr val="000000">
+                      <a:alpha val="99000"/>
+                    </a:srgbClr>
+                  </a:outerShdw>
+                </a:effectLst>
+              </a:rPr>
+              <a:t>E</a:t>
+            </a:r>
+            <a:r>
+              <a:rPr sz="6000" spc="85" dirty="0">
+                <a:effectLst>
+                  <a:outerShdw blurRad="50800" dist="50800" dir="5400000" algn="ctr" rotWithShape="0">
+                    <a:srgbClr val="000000">
+                      <a:alpha val="99000"/>
+                    </a:srgbClr>
+                  </a:outerShdw>
+                </a:effectLst>
+              </a:rPr>
+              <a:t>N</a:t>
+            </a:r>
+            <a:r>
+              <a:rPr sz="6000" spc="365" dirty="0">
+                <a:effectLst>
+                  <a:outerShdw blurRad="50800" dist="50800" dir="5400000" algn="ctr" rotWithShape="0">
+                    <a:srgbClr val="000000">
+                      <a:alpha val="99000"/>
+                    </a:srgbClr>
+                  </a:outerShdw>
+                </a:effectLst>
+              </a:rPr>
+              <a:t>D</a:t>
+            </a:r>
+            <a:r>
+              <a:rPr sz="6000" spc="60" dirty="0">
+                <a:effectLst>
+                  <a:outerShdw blurRad="50800" dist="50800" dir="5400000" algn="ctr" rotWithShape="0">
+                    <a:srgbClr val="000000">
+                      <a:alpha val="99000"/>
+                    </a:srgbClr>
+                  </a:outerShdw>
+                </a:effectLst>
+              </a:rPr>
+              <a:t>A</a:t>
+            </a:r>
+            <a:endParaRPr sz="6000" dirty="0">
+              <a:effectLst>
+                <a:outerShdw blurRad="50800" dist="50800" dir="5400000" algn="ctr" rotWithShape="0">
+                  <a:srgbClr val="000000">
+                    <a:alpha val="99000"/>
+                  </a:srgbClr>
+                </a:outerShdw>
+              </a:effectLst>
+            </a:endParaRPr>
+          </a:p>
+        </p:txBody>
+      </p:sp>
+      <p:sp>
+        <p:nvSpPr>
+          <p:cNvPr id="13" name="object 13"/>
+          <p:cNvSpPr txBox="1"/>
+          <p:nvPr/>
+        </p:nvSpPr>
+        <p:spPr>
+          <a:xfrm>
+            <a:off x="10006947" y="1202161"/>
+            <a:ext cx="6210935" cy="443711"/>
+          </a:xfrm>
+          <a:prstGeom prst="rect">
+            <a:avLst/>
+          </a:prstGeom>
+        </p:spPr>
+        <p:txBody>
+          <a:bodyPr vert="horz" wrap="square" lIns="0" tIns="12700" rIns="0" bIns="0" rtlCol="0">
+            <a:spAutoFit/>
+          </a:bodyPr>
+          <a:lstStyle/>
+          <a:p>
+            <a:pPr marL="12700">
+              <a:lnSpc>
+                <a:spcPct val="100000"/>
+              </a:lnSpc>
+              <a:spcBef>
+                <a:spcPts val="100"/>
+              </a:spcBef>
+            </a:pPr>
+            <a:r>
+              <a:rPr lang="it-IT" sz="2800" b="1" dirty="0">
+                <a:solidFill>
+                  <a:schemeClr val="accent6"/>
+                </a:solidFill>
+                <a:latin typeface="Courier New"/>
+                <a:cs typeface="Courier New"/>
+              </a:rPr>
+              <a:t>Introduzione al problema</a:t>
+            </a:r>
+            <a:endParaRPr sz="2800" b="1" dirty="0">
+              <a:solidFill>
+                <a:schemeClr val="accent6"/>
+              </a:solidFill>
+              <a:latin typeface="Courier New"/>
+              <a:cs typeface="Courier New"/>
+            </a:endParaRPr>
+          </a:p>
+        </p:txBody>
+      </p:sp>
+      <p:sp>
+        <p:nvSpPr>
+          <p:cNvPr id="23" name="object 3">
+            <a:extLst>
+              <a:ext uri="{FF2B5EF4-FFF2-40B4-BE49-F238E27FC236}">
+                <a16:creationId xmlns:a16="http://schemas.microsoft.com/office/drawing/2014/main" id="{ACB09BF6-58DD-49C8-BE3E-1EF740D88D83}"/>
+              </a:ext>
+            </a:extLst>
+          </p:cNvPr>
+          <p:cNvSpPr/>
+          <p:nvPr/>
+        </p:nvSpPr>
+        <p:spPr>
+          <a:xfrm>
+            <a:off x="8763000" y="1093845"/>
+            <a:ext cx="657170" cy="664965"/>
+          </a:xfrm>
+          <a:custGeom>
+            <a:avLst/>
+            <a:gdLst/>
+            <a:ahLst/>
+            <a:cxnLst/>
+            <a:rect l="l" t="t" r="r" b="b"/>
+            <a:pathLst>
+              <a:path w="1068070" h="1068070">
+                <a:moveTo>
+                  <a:pt x="533729" y="1067458"/>
+                </a:moveTo>
+                <a:lnTo>
+                  <a:pt x="485148" y="1065276"/>
+                </a:lnTo>
+                <a:lnTo>
+                  <a:pt x="437790" y="1058858"/>
+                </a:lnTo>
+                <a:lnTo>
+                  <a:pt x="391842" y="1048392"/>
+                </a:lnTo>
+                <a:lnTo>
+                  <a:pt x="347493" y="1034066"/>
+                </a:lnTo>
+                <a:lnTo>
+                  <a:pt x="304931" y="1016069"/>
+                </a:lnTo>
+                <a:lnTo>
+                  <a:pt x="264345" y="994588"/>
+                </a:lnTo>
+                <a:lnTo>
+                  <a:pt x="225923" y="969813"/>
+                </a:lnTo>
+                <a:lnTo>
+                  <a:pt x="189854" y="941931"/>
+                </a:lnTo>
+                <a:lnTo>
+                  <a:pt x="156325" y="911132"/>
+                </a:lnTo>
+                <a:lnTo>
+                  <a:pt x="125526" y="877603"/>
+                </a:lnTo>
+                <a:lnTo>
+                  <a:pt x="97644" y="841534"/>
+                </a:lnTo>
+                <a:lnTo>
+                  <a:pt x="72869" y="803112"/>
+                </a:lnTo>
+                <a:lnTo>
+                  <a:pt x="51389" y="762526"/>
+                </a:lnTo>
+                <a:lnTo>
+                  <a:pt x="33391" y="719964"/>
+                </a:lnTo>
+                <a:lnTo>
+                  <a:pt x="19065" y="675615"/>
+                </a:lnTo>
+                <a:lnTo>
+                  <a:pt x="8599" y="629667"/>
+                </a:lnTo>
+                <a:lnTo>
+                  <a:pt x="2181" y="582309"/>
+                </a:lnTo>
+                <a:lnTo>
+                  <a:pt x="0" y="533729"/>
+                </a:lnTo>
+                <a:lnTo>
+                  <a:pt x="2181" y="485148"/>
+                </a:lnTo>
+                <a:lnTo>
+                  <a:pt x="8599" y="437790"/>
+                </a:lnTo>
+                <a:lnTo>
+                  <a:pt x="19065" y="391842"/>
+                </a:lnTo>
+                <a:lnTo>
+                  <a:pt x="33391" y="347493"/>
+                </a:lnTo>
+                <a:lnTo>
+                  <a:pt x="51389" y="304931"/>
+                </a:lnTo>
+                <a:lnTo>
+                  <a:pt x="72869" y="264345"/>
+                </a:lnTo>
+                <a:lnTo>
+                  <a:pt x="97644" y="225923"/>
+                </a:lnTo>
+                <a:lnTo>
+                  <a:pt x="125526" y="189854"/>
+                </a:lnTo>
+                <a:lnTo>
+                  <a:pt x="156325" y="156325"/>
+                </a:lnTo>
+                <a:lnTo>
+                  <a:pt x="189854" y="125526"/>
+                </a:lnTo>
+                <a:lnTo>
+                  <a:pt x="225923" y="97644"/>
+                </a:lnTo>
+                <a:lnTo>
+                  <a:pt x="264345" y="72869"/>
+                </a:lnTo>
+                <a:lnTo>
+                  <a:pt x="304931" y="51389"/>
+                </a:lnTo>
+                <a:lnTo>
+                  <a:pt x="347493" y="33391"/>
+                </a:lnTo>
+                <a:lnTo>
+                  <a:pt x="391842" y="19065"/>
+                </a:lnTo>
+                <a:lnTo>
+                  <a:pt x="437790" y="8599"/>
+                </a:lnTo>
+                <a:lnTo>
+                  <a:pt x="485148" y="2181"/>
+                </a:lnTo>
+                <a:lnTo>
+                  <a:pt x="533729" y="0"/>
+                </a:lnTo>
+                <a:lnTo>
+                  <a:pt x="582309" y="2181"/>
+                </a:lnTo>
+                <a:lnTo>
+                  <a:pt x="629667" y="8599"/>
+                </a:lnTo>
+                <a:lnTo>
+                  <a:pt x="675615" y="19065"/>
+                </a:lnTo>
+                <a:lnTo>
+                  <a:pt x="719964" y="33391"/>
+                </a:lnTo>
+                <a:lnTo>
+                  <a:pt x="762526" y="51389"/>
+                </a:lnTo>
+                <a:lnTo>
+                  <a:pt x="803112" y="72869"/>
+                </a:lnTo>
+                <a:lnTo>
+                  <a:pt x="841534" y="97644"/>
+                </a:lnTo>
+                <a:lnTo>
+                  <a:pt x="877603" y="125526"/>
+                </a:lnTo>
+                <a:lnTo>
+                  <a:pt x="911132" y="156325"/>
+                </a:lnTo>
+                <a:lnTo>
+                  <a:pt x="941931" y="189854"/>
+                </a:lnTo>
+                <a:lnTo>
+                  <a:pt x="969813" y="225923"/>
+                </a:lnTo>
+                <a:lnTo>
+                  <a:pt x="994588" y="264345"/>
+                </a:lnTo>
+                <a:lnTo>
+                  <a:pt x="1016069" y="304931"/>
+                </a:lnTo>
+                <a:lnTo>
+                  <a:pt x="1034066" y="347493"/>
+                </a:lnTo>
+                <a:lnTo>
+                  <a:pt x="1048392" y="391842"/>
+                </a:lnTo>
+                <a:lnTo>
+                  <a:pt x="1058858" y="437790"/>
+                </a:lnTo>
+                <a:lnTo>
+                  <a:pt x="1065276" y="485148"/>
+                </a:lnTo>
+                <a:lnTo>
+                  <a:pt x="1067458" y="533729"/>
+                </a:lnTo>
+                <a:lnTo>
+                  <a:pt x="1065276" y="582309"/>
+                </a:lnTo>
+                <a:lnTo>
+                  <a:pt x="1058858" y="629667"/>
+                </a:lnTo>
+                <a:lnTo>
+                  <a:pt x="1048392" y="675615"/>
+                </a:lnTo>
+                <a:lnTo>
+                  <a:pt x="1034066" y="719964"/>
+                </a:lnTo>
+                <a:lnTo>
+                  <a:pt x="1016069" y="762526"/>
+                </a:lnTo>
+                <a:lnTo>
+                  <a:pt x="994588" y="803112"/>
+                </a:lnTo>
+                <a:lnTo>
+                  <a:pt x="969813" y="841534"/>
+                </a:lnTo>
+                <a:lnTo>
+                  <a:pt x="941931" y="877603"/>
+                </a:lnTo>
+                <a:lnTo>
+                  <a:pt x="911132" y="911132"/>
+                </a:lnTo>
+                <a:lnTo>
+                  <a:pt x="877603" y="941931"/>
+                </a:lnTo>
+                <a:lnTo>
+                  <a:pt x="841534" y="969813"/>
+                </a:lnTo>
+                <a:lnTo>
+                  <a:pt x="803112" y="994588"/>
+                </a:lnTo>
+                <a:lnTo>
+                  <a:pt x="762526" y="1016069"/>
+                </a:lnTo>
+                <a:lnTo>
+                  <a:pt x="719964" y="1034066"/>
+                </a:lnTo>
+                <a:lnTo>
+                  <a:pt x="675615" y="1048392"/>
+                </a:lnTo>
+                <a:lnTo>
+                  <a:pt x="629667" y="1058858"/>
+                </a:lnTo>
+                <a:lnTo>
+                  <a:pt x="582309" y="1065276"/>
+                </a:lnTo>
+                <a:lnTo>
+                  <a:pt x="533729" y="1067458"/>
+                </a:lnTo>
+                <a:close/>
+              </a:path>
+            </a:pathLst>
+          </a:custGeom>
+          <a:solidFill>
+            <a:srgbClr val="FFA637"/>
+          </a:solidFill>
+        </p:spPr>
+        <p:txBody>
+          <a:bodyPr wrap="square" lIns="0" tIns="0" rIns="0" bIns="0" rtlCol="0" anchor="b" anchorCtr="1"/>
+          <a:lstStyle/>
+          <a:p>
+            <a:endParaRPr/>
+          </a:p>
+        </p:txBody>
+      </p:sp>
+      <p:sp>
+        <p:nvSpPr>
+          <p:cNvPr id="4" name="object 4"/>
+          <p:cNvSpPr txBox="1"/>
+          <p:nvPr/>
+        </p:nvSpPr>
+        <p:spPr>
+          <a:xfrm>
+            <a:off x="8951791" y="1230967"/>
+            <a:ext cx="866365" cy="443070"/>
+          </a:xfrm>
+          <a:prstGeom prst="rect">
+            <a:avLst/>
+          </a:prstGeom>
+        </p:spPr>
+        <p:txBody>
+          <a:bodyPr vert="horz" wrap="square" lIns="0" tIns="12065" rIns="0" bIns="0" rtlCol="0">
+            <a:spAutoFit/>
+          </a:bodyPr>
+          <a:lstStyle/>
+          <a:p>
+            <a:pPr marL="12700">
+              <a:lnSpc>
+                <a:spcPct val="100000"/>
+              </a:lnSpc>
+              <a:spcBef>
+                <a:spcPts val="95"/>
+              </a:spcBef>
+            </a:pPr>
+            <a:r>
+              <a:rPr sz="2800" b="1" spc="160" dirty="0">
+                <a:solidFill>
+                  <a:srgbClr val="FFFFFF"/>
+                </a:solidFill>
+                <a:latin typeface="Century Gothic"/>
+                <a:cs typeface="Century Gothic"/>
+              </a:rPr>
+              <a:t>1</a:t>
+            </a:r>
+            <a:endParaRPr sz="2800" dirty="0">
+              <a:latin typeface="Century Gothic"/>
+              <a:cs typeface="Century Gothic"/>
+            </a:endParaRPr>
+          </a:p>
+        </p:txBody>
+      </p:sp>
+      <p:pic>
+        <p:nvPicPr>
+          <p:cNvPr id="42" name="Immagine 41">
+            <a:extLst>
+              <a:ext uri="{FF2B5EF4-FFF2-40B4-BE49-F238E27FC236}">
+                <a16:creationId xmlns:a16="http://schemas.microsoft.com/office/drawing/2014/main" id="{7CE5DAEB-831C-4D17-B2B4-0DCCA935F9B2}"/>
+              </a:ext>
+            </a:extLst>
+          </p:cNvPr>
+          <p:cNvPicPr>
+            <a:picLocks noChangeAspect="1"/>
+          </p:cNvPicPr>
+          <p:nvPr/>
+        </p:nvPicPr>
+        <p:blipFill>
+          <a:blip r:embed="rId4">
+            <a:extLst>
+              <a:ext uri="{28A0092B-C50C-407E-A947-70E740481C1C}">
+                <a14:useLocalDpi xmlns:a14="http://schemas.microsoft.com/office/drawing/2010/main" val="0"/>
+              </a:ext>
+            </a:extLst>
+          </a:blip>
+          <a:stretch>
+            <a:fillRect/>
+          </a:stretch>
+        </p:blipFill>
+        <p:spPr>
+          <a:xfrm>
+            <a:off x="14760343" y="9074539"/>
+            <a:ext cx="3450006" cy="1275503"/>
+          </a:xfrm>
+          <a:prstGeom prst="rect">
+            <a:avLst/>
+          </a:prstGeom>
+          <a:effectLst>
+            <a:glow rad="76200">
+              <a:schemeClr val="bg1">
+                <a:alpha val="27000"/>
+              </a:schemeClr>
+            </a:glow>
+          </a:effectLst>
+        </p:spPr>
+      </p:pic>
+    </p:spTree>
+    <p:extLst>
+      <p:ext uri="{BB962C8B-B14F-4D97-AF65-F5344CB8AC3E}">
+        <p14:creationId xmlns:p14="http://schemas.microsoft.com/office/powerpoint/2010/main" val="935715987"/>
+      </p:ext>
+    </p:extLst>
+  </p:cSld>
+  <p:clrMapOvr>
+    <a:masterClrMapping/>
+  </p:clrMapOvr>
+  <mc:AlternateContent xmlns:mc="http://schemas.openxmlformats.org/markup-compatibility/2006">
+    <mc:Choice xmlns:p159="http://schemas.microsoft.com/office/powerpoint/2015/09/main" Requires="p159">
+      <p:transition spd="slow">
+        <p159:morph option="byObject"/>
+      </p:transition>
+    </mc:Choice>
+    <mc:Fallback>
+      <p:transition spd="slow">
+        <p:fade/>
+      </p:transition>
+    </mc:Fallback>
+  </mc:AlternateContent>
+  <p:timing>
+    <p:tnLst>
+      <p:par>
+        <p:cTn id="1" dur="indefinite" restart="never" nodeType="tmRoot">
+          <p:childTnLst>
+            <p:seq concurrent="1" nextAc="seek">
+              <p:cTn id="2" dur="indefinite" nodeType="mainSeq">
+                <p:childTnLst>
                   <p:par>
-                    <p:cTn id="88" fill="hold">
+                    <p:cTn id="3" fill="hold">
                       <p:stCondLst>
                         <p:cond delay="indefinite"/>
                       </p:stCondLst>
                       <p:childTnLst>
                         <p:par>
-                          <p:cTn id="89" fill="hold">
+                          <p:cTn id="4" fill="hold">
                             <p:stCondLst>
                               <p:cond delay="0"/>
                             </p:stCondLst>
                             <p:childTnLst>
                               <p:par>
-                                <p:cTn id="90" presetID="53" presetClass="entr" presetSubtype="16" fill="hold" grpId="0" nodeType="clickEffect">
+                                <p:cTn id="5" presetID="53" presetClass="entr" presetSubtype="16" fill="hold" grpId="0" nodeType="clickEffect">
                                   <p:stCondLst>
                                     <p:cond delay="0"/>
                                   </p:stCondLst>
                                   <p:childTnLst>
                                     <p:set>
                                       <p:cBhvr>
-                                        <p:cTn id="91" dur="1" fill="hold">
+                                        <p:cTn id="6" dur="1" fill="hold">
                                           <p:stCondLst>
                                             <p:cond delay="0"/>
                                           </p:stCondLst>
                                         </p:cTn>
                                         <p:tgtEl>
-                                          <p:spTgt spid="28"/>
+                                          <p:spTgt spid="23"/>
                                         </p:tgtEl>
                                         <p:attrNameLst>
                                           <p:attrName>style.visibility</p:attrName>
@@ -20921,9 +22218,9 @@
                                     </p:set>
                                     <p:anim calcmode="lin" valueType="num">
                                       <p:cBhvr>
-                                        <p:cTn id="92" dur="250" fill="hold"/>
+                                        <p:cTn id="7" dur="250" fill="hold"/>
                                         <p:tgtEl>
-                                          <p:spTgt spid="28"/>
+                                          <p:spTgt spid="23"/>
                                         </p:tgtEl>
                                         <p:attrNameLst>
                                           <p:attrName>ppt_w</p:attrName>
@@ -20944,9 +22241,9 @@
                                     </p:anim>
                                     <p:anim calcmode="lin" valueType="num">
                                       <p:cBhvr>
-                                        <p:cTn id="93" dur="250" fill="hold"/>
+                                        <p:cTn id="8" dur="250" fill="hold"/>
                                         <p:tgtEl>
-                                          <p:spTgt spid="28"/>
+                                          <p:spTgt spid="23"/>
                                         </p:tgtEl>
                                         <p:attrNameLst>
                                           <p:attrName>ppt_h</p:attrName>
@@ -20967,9 +22264,9 @@
                                     </p:anim>
                                     <p:animEffect transition="in" filter="fade">
                                       <p:cBhvr>
-                                        <p:cTn id="94" dur="250"/>
+                                        <p:cTn id="9" dur="250"/>
                                         <p:tgtEl>
-                                          <p:spTgt spid="28"/>
+                                          <p:spTgt spid="23"/>
                                         </p:tgtEl>
                                       </p:cBhvr>
                                     </p:animEffect>
@@ -20977,20 +22274,20 @@
                                 </p:cTn>
                               </p:par>
                               <p:par>
-                                <p:cTn id="95" presetID="53" presetClass="entr" presetSubtype="16" fill="hold" grpId="0" nodeType="withEffect">
+                                <p:cTn id="10" presetID="53" presetClass="entr" presetSubtype="16" fill="hold" grpId="0" nodeType="withEffect">
                                   <p:stCondLst>
                                     <p:cond delay="0"/>
                                   </p:stCondLst>
                                   <p:childTnLst>
                                     <p:set>
                                       <p:cBhvr>
-                                        <p:cTn id="96" dur="1" fill="hold">
+                                        <p:cTn id="11" dur="1" fill="hold">
                                           <p:stCondLst>
                                             <p:cond delay="0"/>
                                           </p:stCondLst>
                                         </p:cTn>
                                         <p:tgtEl>
-                                          <p:spTgt spid="40"/>
+                                          <p:spTgt spid="4"/>
                                         </p:tgtEl>
                                         <p:attrNameLst>
                                           <p:attrName>style.visibility</p:attrName>
@@ -21002,9 +22299,9 @@
                                     </p:set>
                                     <p:anim calcmode="lin" valueType="num">
                                       <p:cBhvr>
-                                        <p:cTn id="97" dur="250" fill="hold"/>
+                                        <p:cTn id="12" dur="250" fill="hold"/>
                                         <p:tgtEl>
-                                          <p:spTgt spid="40"/>
+                                          <p:spTgt spid="4"/>
                                         </p:tgtEl>
                                         <p:attrNameLst>
                                           <p:attrName>ppt_w</p:attrName>
@@ -21025,9 +22322,9 @@
                                     </p:anim>
                                     <p:anim calcmode="lin" valueType="num">
                                       <p:cBhvr>
-                                        <p:cTn id="98" dur="250" fill="hold"/>
+                                        <p:cTn id="13" dur="250" fill="hold"/>
                                         <p:tgtEl>
-                                          <p:spTgt spid="40"/>
+                                          <p:spTgt spid="4"/>
                                         </p:tgtEl>
                                         <p:attrNameLst>
                                           <p:attrName>ppt_h</p:attrName>
@@ -21048,9 +22345,9 @@
                                     </p:anim>
                                     <p:animEffect transition="in" filter="fade">
                                       <p:cBhvr>
-                                        <p:cTn id="99" dur="250"/>
+                                        <p:cTn id="14" dur="250"/>
                                         <p:tgtEl>
-                                          <p:spTgt spid="40"/>
+                                          <p:spTgt spid="4"/>
                                         </p:tgtEl>
                                       </p:cBhvr>
                                     </p:animEffect>
@@ -21058,20 +22355,20 @@
                                 </p:cTn>
                               </p:par>
                               <p:par>
-                                <p:cTn id="100" presetID="53" presetClass="entr" presetSubtype="16" fill="hold" grpId="0" nodeType="withEffect">
+                                <p:cTn id="15" presetID="53" presetClass="entr" presetSubtype="16" fill="hold" grpId="0" nodeType="withEffect">
                                   <p:stCondLst>
                                     <p:cond delay="0"/>
                                   </p:stCondLst>
                                   <p:childTnLst>
                                     <p:set>
                                       <p:cBhvr>
-                                        <p:cTn id="101" dur="1" fill="hold">
+                                        <p:cTn id="16" dur="1" fill="hold">
                                           <p:stCondLst>
                                             <p:cond delay="0"/>
                                           </p:stCondLst>
                                         </p:cTn>
                                         <p:tgtEl>
-                                          <p:spTgt spid="34"/>
+                                          <p:spTgt spid="13"/>
                                         </p:tgtEl>
                                         <p:attrNameLst>
                                           <p:attrName>style.visibility</p:attrName>
@@ -21083,9 +22380,9 @@
                                     </p:set>
                                     <p:anim calcmode="lin" valueType="num">
                                       <p:cBhvr>
-                                        <p:cTn id="102" dur="250" fill="hold"/>
+                                        <p:cTn id="17" dur="250" fill="hold"/>
                                         <p:tgtEl>
-                                          <p:spTgt spid="34"/>
+                                          <p:spTgt spid="13"/>
                                         </p:tgtEl>
                                         <p:attrNameLst>
                                           <p:attrName>ppt_w</p:attrName>
@@ -21106,9 +22403,9 @@
                                     </p:anim>
                                     <p:anim calcmode="lin" valueType="num">
                                       <p:cBhvr>
-                                        <p:cTn id="103" dur="250" fill="hold"/>
+                                        <p:cTn id="18" dur="250" fill="hold"/>
                                         <p:tgtEl>
-                                          <p:spTgt spid="34"/>
+                                          <p:spTgt spid="13"/>
                                         </p:tgtEl>
                                         <p:attrNameLst>
                                           <p:attrName>ppt_h</p:attrName>
@@ -21129,9 +22426,9 @@
                                     </p:anim>
                                     <p:animEffect transition="in" filter="fade">
                                       <p:cBhvr>
-                                        <p:cTn id="104" dur="250"/>
+                                        <p:cTn id="19" dur="250"/>
                                         <p:tgtEl>
-                                          <p:spTgt spid="34"/>
+                                          <p:spTgt spid="13"/>
                                         </p:tgtEl>
                                       </p:cBhvr>
                                     </p:animEffect>
@@ -21167,29 +22464,14 @@
     </p:tnLst>
     <p:bldLst>
       <p:bldP spid="13" grpId="0"/>
-      <p:bldP spid="14" grpId="0"/>
-      <p:bldP spid="15" grpId="0"/>
       <p:bldP spid="23" grpId="0" animBg="1"/>
-      <p:bldP spid="24" grpId="0" animBg="1"/>
-      <p:bldP spid="25" grpId="0" animBg="1"/>
-      <p:bldP spid="26" grpId="0" animBg="1"/>
-      <p:bldP spid="27" grpId="0" animBg="1"/>
-      <p:bldP spid="28" grpId="0" animBg="1"/>
       <p:bldP spid="4" grpId="0"/>
-      <p:bldP spid="30" grpId="0"/>
-      <p:bldP spid="31" grpId="0"/>
-      <p:bldP spid="32" grpId="0"/>
-      <p:bldP spid="33" grpId="0"/>
-      <p:bldP spid="34" grpId="0"/>
-      <p:bldP spid="36" grpId="0"/>
-      <p:bldP spid="37" grpId="0"/>
-      <p:bldP spid="40" grpId="0"/>
     </p:bldLst>
   </p:timing>
 </p:sld>
 </file>
 
-<file path=ppt/slides/slide3.xml><?xml version="1.0" encoding="utf-8"?>
+<file path=ppt/slides/slide4.xml><?xml version="1.0" encoding="utf-8"?>
 <p:sld xmlns:a="http://schemas.openxmlformats.org/drawingml/2006/main" xmlns:r="http://schemas.openxmlformats.org/officeDocument/2006/relationships" xmlns:p="http://schemas.openxmlformats.org/presentationml/2006/main">
   <p:cSld>
     <p:spTree>
@@ -21274,13 +22556,13 @@
   <p:clrMapOvr>
     <a:masterClrMapping/>
   </p:clrMapOvr>
-  <mc:AlternateContent xmlns:mc="http://schemas.openxmlformats.org/markup-compatibility/2006">
-    <mc:Choice xmlns:p159="http://schemas.microsoft.com/office/powerpoint/2015/09/main" Requires="p159">
+  <mc:AlternateContent xmlns:mc="http://schemas.openxmlformats.org/markup-compatibility/2006" xmlns:p159="http://schemas.microsoft.com/office/powerpoint/2015/09/main">
+    <mc:Choice Requires="p159">
       <p:transition spd="slow">
         <p159:morph option="byObject"/>
       </p:transition>
     </mc:Choice>
-    <mc:Fallback>
+    <mc:Fallback xmlns="">
       <p:transition spd="slow">
         <p:fade/>
       </p:transition>
@@ -21289,7 +22571,7 @@
 </p:sld>
 </file>
 
-<file path=ppt/slides/slide4.xml><?xml version="1.0" encoding="utf-8"?>
+<file path=ppt/slides/slide5.xml><?xml version="1.0" encoding="utf-8"?>
 <p:sld xmlns:a="http://schemas.openxmlformats.org/drawingml/2006/main" xmlns:r="http://schemas.openxmlformats.org/officeDocument/2006/relationships" xmlns:p="http://schemas.openxmlformats.org/presentationml/2006/main">
   <p:cSld>
     <p:spTree>
@@ -22604,13 +23886,13 @@
   <p:clrMapOvr>
     <a:masterClrMapping/>
   </p:clrMapOvr>
-  <mc:AlternateContent xmlns:mc="http://schemas.openxmlformats.org/markup-compatibility/2006">
-    <mc:Choice xmlns:p159="http://schemas.microsoft.com/office/powerpoint/2015/09/main" Requires="p159">
+  <mc:AlternateContent xmlns:mc="http://schemas.openxmlformats.org/markup-compatibility/2006" xmlns:p159="http://schemas.microsoft.com/office/powerpoint/2015/09/main">
+    <mc:Choice Requires="p159">
       <p:transition spd="slow">
         <p159:morph option="byObject"/>
       </p:transition>
     </mc:Choice>
-    <mc:Fallback>
+    <mc:Fallback xmlns="">
       <p:transition spd="slow">
         <p:fade/>
       </p:transition>
@@ -22875,7 +24157,7 @@
 </p:sld>
 </file>
 
-<file path=ppt/slides/slide5.xml><?xml version="1.0" encoding="utf-8"?>
+<file path=ppt/slides/slide6.xml><?xml version="1.0" encoding="utf-8"?>
 <p:sld xmlns:a="http://schemas.openxmlformats.org/drawingml/2006/main" xmlns:r="http://schemas.openxmlformats.org/officeDocument/2006/relationships" xmlns:p="http://schemas.openxmlformats.org/presentationml/2006/main">
   <p:cSld>
     <p:spTree>
@@ -24711,13 +25993,13 @@
   <p:clrMapOvr>
     <a:masterClrMapping/>
   </p:clrMapOvr>
-  <mc:AlternateContent xmlns:mc="http://schemas.openxmlformats.org/markup-compatibility/2006">
-    <mc:Choice xmlns:p159="http://schemas.microsoft.com/office/powerpoint/2015/09/main" Requires="p159">
+  <mc:AlternateContent xmlns:mc="http://schemas.openxmlformats.org/markup-compatibility/2006" xmlns:p159="http://schemas.microsoft.com/office/powerpoint/2015/09/main">
+    <mc:Choice Requires="p159">
       <p:transition spd="slow">
         <p159:morph option="byObject"/>
       </p:transition>
     </mc:Choice>
-    <mc:Fallback>
+    <mc:Fallback xmlns="">
       <p:transition spd="slow">
         <p:fade/>
       </p:transition>
@@ -25148,7 +26430,7 @@
 </p:sld>
 </file>
 
-<file path=ppt/slides/slide6.xml><?xml version="1.0" encoding="utf-8"?>
+<file path=ppt/slides/slide7.xml><?xml version="1.0" encoding="utf-8"?>
 <p:sld xmlns:a="http://schemas.openxmlformats.org/drawingml/2006/main" xmlns:r="http://schemas.openxmlformats.org/officeDocument/2006/relationships" xmlns:p="http://schemas.openxmlformats.org/presentationml/2006/main">
   <p:cSld>
     <p:spTree>
@@ -25236,13 +26518,13 @@
   <p:clrMapOvr>
     <a:masterClrMapping/>
   </p:clrMapOvr>
-  <mc:AlternateContent xmlns:mc="http://schemas.openxmlformats.org/markup-compatibility/2006">
-    <mc:Choice xmlns:p159="http://schemas.microsoft.com/office/powerpoint/2015/09/main" Requires="p159">
+  <mc:AlternateContent xmlns:mc="http://schemas.openxmlformats.org/markup-compatibility/2006" xmlns:p159="http://schemas.microsoft.com/office/powerpoint/2015/09/main">
+    <mc:Choice Requires="p159">
       <p:transition spd="slow">
         <p159:morph option="byObject"/>
       </p:transition>
     </mc:Choice>
-    <mc:Fallback>
+    <mc:Fallback xmlns="">
       <p:transition spd="slow">
         <p:fade/>
       </p:transition>
@@ -25251,7 +26533,7 @@
 </p:sld>
 </file>
 
-<file path=ppt/slides/slide7.xml><?xml version="1.0" encoding="utf-8"?>
+<file path=ppt/slides/slide8.xml><?xml version="1.0" encoding="utf-8"?>
 <p:sld xmlns:a="http://schemas.openxmlformats.org/drawingml/2006/main" xmlns:r="http://schemas.openxmlformats.org/officeDocument/2006/relationships" xmlns:p="http://schemas.openxmlformats.org/presentationml/2006/main">
   <p:cSld>
     <p:spTree>
@@ -26005,13 +27287,13 @@
   <p:clrMapOvr>
     <a:masterClrMapping/>
   </p:clrMapOvr>
-  <mc:AlternateContent xmlns:mc="http://schemas.openxmlformats.org/markup-compatibility/2006">
-    <mc:Choice xmlns:p159="http://schemas.microsoft.com/office/powerpoint/2015/09/main" Requires="p159">
+  <mc:AlternateContent xmlns:mc="http://schemas.openxmlformats.org/markup-compatibility/2006" xmlns:p159="http://schemas.microsoft.com/office/powerpoint/2015/09/main">
+    <mc:Choice Requires="p159">
       <p:transition spd="slow">
         <p159:morph option="byObject"/>
       </p:transition>
     </mc:Choice>
-    <mc:Fallback>
+    <mc:Fallback xmlns="">
       <p:transition spd="slow">
         <p:fade/>
       </p:transition>
@@ -26598,7 +27880,7 @@
 </p:sld>
 </file>
 
-<file path=ppt/slides/slide8.xml><?xml version="1.0" encoding="utf-8"?>
+<file path=ppt/slides/slide9.xml><?xml version="1.0" encoding="utf-8"?>
 <p:sld xmlns:a="http://schemas.openxmlformats.org/drawingml/2006/main" xmlns:r="http://schemas.openxmlformats.org/officeDocument/2006/relationships" xmlns:p="http://schemas.openxmlformats.org/presentationml/2006/main">
   <p:cSld>
     <p:spTree>
@@ -28795,13 +30077,13 @@
   <p:clrMapOvr>
     <a:masterClrMapping/>
   </p:clrMapOvr>
-  <mc:AlternateContent xmlns:mc="http://schemas.openxmlformats.org/markup-compatibility/2006">
-    <mc:Choice xmlns:p159="http://schemas.microsoft.com/office/powerpoint/2015/09/main" Requires="p159">
+  <mc:AlternateContent xmlns:mc="http://schemas.openxmlformats.org/markup-compatibility/2006" xmlns:p159="http://schemas.microsoft.com/office/powerpoint/2015/09/main">
+    <mc:Choice Requires="p159">
       <p:transition spd="slow">
         <p159:morph option="byObject"/>
       </p:transition>
     </mc:Choice>
-    <mc:Fallback>
+    <mc:Fallback xmlns="">
       <p:transition spd="slow">
         <p:fade/>
       </p:transition>
@@ -29106,125 +30388,6 @@
 </p:sld>
 </file>
 
-<file path=ppt/slides/slide9.xml><?xml version="1.0" encoding="utf-8"?>
-<p:sld xmlns:a="http://schemas.openxmlformats.org/drawingml/2006/main" xmlns:r="http://schemas.openxmlformats.org/officeDocument/2006/relationships" xmlns:p="http://schemas.openxmlformats.org/presentationml/2006/main">
-  <p:cSld>
-    <p:spTree>
-      <p:nvGrpSpPr>
-        <p:cNvPr id="1" name=""/>
-        <p:cNvGrpSpPr/>
-        <p:nvPr/>
-      </p:nvGrpSpPr>
-      <p:grpSpPr>
-        <a:xfrm>
-          <a:off x="0" y="0"/>
-          <a:ext cx="0" cy="0"/>
-          <a:chOff x="0" y="0"/>
-          <a:chExt cx="0" cy="0"/>
-        </a:xfrm>
-      </p:grpSpPr>
-      <p:sp>
-        <p:nvSpPr>
-          <p:cNvPr id="3" name="object 3"/>
-          <p:cNvSpPr txBox="1">
-            <a:spLocks noGrp="1"/>
-          </p:cNvSpPr>
-          <p:nvPr>
-            <p:ph type="title"/>
-          </p:nvPr>
-        </p:nvSpPr>
-        <p:spPr>
-          <a:xfrm>
-            <a:off x="3775529" y="4520807"/>
-            <a:ext cx="10744200" cy="1243930"/>
-          </a:xfrm>
-          <a:prstGeom prst="rect">
-            <a:avLst/>
-          </a:prstGeom>
-        </p:spPr>
-        <p:txBody>
-          <a:bodyPr vert="horz" wrap="square" lIns="0" tIns="12700" rIns="0" bIns="0" rtlCol="0">
-            <a:spAutoFit/>
-          </a:bodyPr>
-          <a:lstStyle/>
-          <a:p>
-            <a:pPr marL="12700">
-              <a:lnSpc>
-                <a:spcPct val="100000"/>
-              </a:lnSpc>
-              <a:spcBef>
-                <a:spcPts val="100"/>
-              </a:spcBef>
-            </a:pPr>
-            <a:r>
-              <a:rPr lang="it-IT" sz="8000" dirty="0"/>
-              <a:t>Prodotto</a:t>
-            </a:r>
-            <a:endParaRPr sz="8000" dirty="0"/>
-          </a:p>
-        </p:txBody>
-      </p:sp>
-      <p:pic>
-        <p:nvPicPr>
-          <p:cNvPr id="5" name="Immagine 4">
-            <a:extLst>
-              <a:ext uri="{FF2B5EF4-FFF2-40B4-BE49-F238E27FC236}">
-                <a16:creationId xmlns:a16="http://schemas.microsoft.com/office/drawing/2014/main" id="{6B501232-8323-42C5-B08A-BBB9AEF8D274}"/>
-              </a:ext>
-            </a:extLst>
-          </p:cNvPr>
-          <p:cNvPicPr>
-            <a:picLocks noChangeAspect="1"/>
-          </p:cNvPicPr>
-          <p:nvPr/>
-        </p:nvPicPr>
-        <p:blipFill>
-          <a:blip r:embed="rId2">
-            <a:extLst>
-              <a:ext uri="{28A0092B-C50C-407E-A947-70E740481C1C}">
-                <a14:useLocalDpi xmlns:a14="http://schemas.microsoft.com/office/drawing/2010/main" val="0"/>
-              </a:ext>
-            </a:extLst>
-          </a:blip>
-          <a:stretch>
-            <a:fillRect/>
-          </a:stretch>
-        </p:blipFill>
-        <p:spPr>
-          <a:xfrm>
-            <a:off x="9147629" y="-114300"/>
-            <a:ext cx="9270214" cy="9270214"/>
-          </a:xfrm>
-          <a:prstGeom prst="rect">
-            <a:avLst/>
-          </a:prstGeom>
-        </p:spPr>
-      </p:pic>
-    </p:spTree>
-    <p:extLst>
-      <p:ext uri="{BB962C8B-B14F-4D97-AF65-F5344CB8AC3E}">
-        <p14:creationId xmlns:p14="http://schemas.microsoft.com/office/powerpoint/2010/main" val="293974024"/>
-      </p:ext>
-    </p:extLst>
-  </p:cSld>
-  <p:clrMapOvr>
-    <a:masterClrMapping/>
-  </p:clrMapOvr>
-  <mc:AlternateContent xmlns:mc="http://schemas.openxmlformats.org/markup-compatibility/2006">
-    <mc:Choice xmlns:p159="http://schemas.microsoft.com/office/powerpoint/2015/09/main" Requires="p159">
-      <p:transition spd="slow">
-        <p159:morph option="byObject"/>
-      </p:transition>
-    </mc:Choice>
-    <mc:Fallback>
-      <p:transition spd="slow">
-        <p:fade/>
-      </p:transition>
-    </mc:Fallback>
-  </mc:AlternateContent>
-</p:sld>
-</file>
-
 <file path=ppt/theme/theme1.xml><?xml version="1.0" encoding="utf-8"?>
 <a:theme xmlns:a="http://schemas.openxmlformats.org/drawingml/2006/main" name="Office Theme">
   <a:themeElements>
